--- a/Figures/FigureEdits.pptx
+++ b/Figures/FigureEdits.pptx
@@ -6,6 +6,7 @@
   </p:sldMasterIdLst>
   <p:sldIdLst>
     <p:sldId id="256" r:id="rId2"/>
+    <p:sldId id="257" r:id="rId3"/>
   </p:sldIdLst>
   <p:sldSz cx="12192000" cy="6858000"/>
   <p:notesSz cx="6858000" cy="9144000"/>
@@ -104,6 +105,11 @@
       </a:defRPr>
     </a:lvl9pPr>
   </p:defaultTextStyle>
+  <p:extLst>
+    <p:ext uri="{EFAFB233-063F-42B5-8137-9DF3F51BA10A}">
+      <p15:sldGuideLst xmlns:p15="http://schemas.microsoft.com/office/powerpoint/2012/main"/>
+    </p:ext>
+  </p:extLst>
 </p:presentation>
 </file>
 
@@ -254,7 +260,7 @@
           <a:p>
             <a:fld id="{16CE7877-CAAE-402D-8B24-004CD3A40743}" type="datetimeFigureOut">
               <a:rPr lang="en-US" smtClean="0"/>
-              <a:t>11/4/2024</a:t>
+              <a:t>11/5/2024</a:t>
             </a:fld>
             <a:endParaRPr lang="en-US"/>
           </a:p>
@@ -452,7 +458,7 @@
           <a:p>
             <a:fld id="{16CE7877-CAAE-402D-8B24-004CD3A40743}" type="datetimeFigureOut">
               <a:rPr lang="en-US" smtClean="0"/>
-              <a:t>11/4/2024</a:t>
+              <a:t>11/5/2024</a:t>
             </a:fld>
             <a:endParaRPr lang="en-US"/>
           </a:p>
@@ -660,7 +666,7 @@
           <a:p>
             <a:fld id="{16CE7877-CAAE-402D-8B24-004CD3A40743}" type="datetimeFigureOut">
               <a:rPr lang="en-US" smtClean="0"/>
-              <a:t>11/4/2024</a:t>
+              <a:t>11/5/2024</a:t>
             </a:fld>
             <a:endParaRPr lang="en-US"/>
           </a:p>
@@ -858,7 +864,7 @@
           <a:p>
             <a:fld id="{16CE7877-CAAE-402D-8B24-004CD3A40743}" type="datetimeFigureOut">
               <a:rPr lang="en-US" smtClean="0"/>
-              <a:t>11/4/2024</a:t>
+              <a:t>11/5/2024</a:t>
             </a:fld>
             <a:endParaRPr lang="en-US"/>
           </a:p>
@@ -1133,7 +1139,7 @@
           <a:p>
             <a:fld id="{16CE7877-CAAE-402D-8B24-004CD3A40743}" type="datetimeFigureOut">
               <a:rPr lang="en-US" smtClean="0"/>
-              <a:t>11/4/2024</a:t>
+              <a:t>11/5/2024</a:t>
             </a:fld>
             <a:endParaRPr lang="en-US"/>
           </a:p>
@@ -1398,7 +1404,7 @@
           <a:p>
             <a:fld id="{16CE7877-CAAE-402D-8B24-004CD3A40743}" type="datetimeFigureOut">
               <a:rPr lang="en-US" smtClean="0"/>
-              <a:t>11/4/2024</a:t>
+              <a:t>11/5/2024</a:t>
             </a:fld>
             <a:endParaRPr lang="en-US"/>
           </a:p>
@@ -1810,7 +1816,7 @@
           <a:p>
             <a:fld id="{16CE7877-CAAE-402D-8B24-004CD3A40743}" type="datetimeFigureOut">
               <a:rPr lang="en-US" smtClean="0"/>
-              <a:t>11/4/2024</a:t>
+              <a:t>11/5/2024</a:t>
             </a:fld>
             <a:endParaRPr lang="en-US"/>
           </a:p>
@@ -1951,7 +1957,7 @@
           <a:p>
             <a:fld id="{16CE7877-CAAE-402D-8B24-004CD3A40743}" type="datetimeFigureOut">
               <a:rPr lang="en-US" smtClean="0"/>
-              <a:t>11/4/2024</a:t>
+              <a:t>11/5/2024</a:t>
             </a:fld>
             <a:endParaRPr lang="en-US"/>
           </a:p>
@@ -2064,7 +2070,7 @@
           <a:p>
             <a:fld id="{16CE7877-CAAE-402D-8B24-004CD3A40743}" type="datetimeFigureOut">
               <a:rPr lang="en-US" smtClean="0"/>
-              <a:t>11/4/2024</a:t>
+              <a:t>11/5/2024</a:t>
             </a:fld>
             <a:endParaRPr lang="en-US"/>
           </a:p>
@@ -2375,7 +2381,7 @@
           <a:p>
             <a:fld id="{16CE7877-CAAE-402D-8B24-004CD3A40743}" type="datetimeFigureOut">
               <a:rPr lang="en-US" smtClean="0"/>
-              <a:t>11/4/2024</a:t>
+              <a:t>11/5/2024</a:t>
             </a:fld>
             <a:endParaRPr lang="en-US"/>
           </a:p>
@@ -2663,7 +2669,7 @@
           <a:p>
             <a:fld id="{16CE7877-CAAE-402D-8B24-004CD3A40743}" type="datetimeFigureOut">
               <a:rPr lang="en-US" smtClean="0"/>
-              <a:t>11/4/2024</a:t>
+              <a:t>11/5/2024</a:t>
             </a:fld>
             <a:endParaRPr lang="en-US"/>
           </a:p>
@@ -2904,7 +2910,7 @@
           <a:p>
             <a:fld id="{16CE7877-CAAE-402D-8B24-004CD3A40743}" type="datetimeFigureOut">
               <a:rPr lang="en-US" smtClean="0"/>
-              <a:t>11/4/2024</a:t>
+              <a:t>11/5/2024</a:t>
             </a:fld>
             <a:endParaRPr lang="en-US"/>
           </a:p>
@@ -4537,6 +4543,300 @@
 </p:sld>
 </file>
 
+<file path=ppt/slides/slide2.xml><?xml version="1.0" encoding="utf-8"?>
+<p:sld xmlns:a="http://schemas.openxmlformats.org/drawingml/2006/main" xmlns:r="http://schemas.openxmlformats.org/officeDocument/2006/relationships" xmlns:p="http://schemas.openxmlformats.org/presentationml/2006/main">
+  <p:cSld>
+    <p:spTree>
+      <p:nvGrpSpPr>
+        <p:cNvPr id="1" name=""/>
+        <p:cNvGrpSpPr/>
+        <p:nvPr/>
+      </p:nvGrpSpPr>
+      <p:grpSpPr>
+        <a:xfrm>
+          <a:off x="0" y="0"/>
+          <a:ext cx="0" cy="0"/>
+          <a:chOff x="0" y="0"/>
+          <a:chExt cx="0" cy="0"/>
+        </a:xfrm>
+      </p:grpSpPr>
+      <p:grpSp>
+        <p:nvGrpSpPr>
+          <p:cNvPr id="4" name="Group 3">
+            <a:extLst>
+              <a:ext uri="{FF2B5EF4-FFF2-40B4-BE49-F238E27FC236}">
+                <a16:creationId xmlns:a16="http://schemas.microsoft.com/office/drawing/2014/main" id="{EEDB9B89-F836-61FA-0FC6-B7D294F9554A}"/>
+              </a:ext>
+            </a:extLst>
+          </p:cNvPr>
+          <p:cNvGrpSpPr/>
+          <p:nvPr/>
+        </p:nvGrpSpPr>
+        <p:grpSpPr>
+          <a:xfrm>
+            <a:off x="2209792" y="826564"/>
+            <a:ext cx="7772416" cy="5117041"/>
+            <a:chOff x="2209792" y="826564"/>
+            <a:chExt cx="7772416" cy="5117041"/>
+          </a:xfrm>
+        </p:grpSpPr>
+        <p:grpSp>
+          <p:nvGrpSpPr>
+            <p:cNvPr id="18" name="Group 17">
+              <a:extLst>
+                <a:ext uri="{FF2B5EF4-FFF2-40B4-BE49-F238E27FC236}">
+                  <a16:creationId xmlns:a16="http://schemas.microsoft.com/office/drawing/2014/main" id="{2CBC6F37-1FBF-D2A9-2379-9A6886FBA024}"/>
+                </a:ext>
+              </a:extLst>
+            </p:cNvPr>
+            <p:cNvGrpSpPr/>
+            <p:nvPr/>
+          </p:nvGrpSpPr>
+          <p:grpSpPr>
+            <a:xfrm>
+              <a:off x="2209792" y="826564"/>
+              <a:ext cx="7772416" cy="5117041"/>
+              <a:chOff x="2209792" y="826564"/>
+              <a:chExt cx="7772416" cy="5117041"/>
+            </a:xfrm>
+          </p:grpSpPr>
+          <p:pic>
+            <p:nvPicPr>
+              <p:cNvPr id="17" name="Picture 16">
+                <a:extLst>
+                  <a:ext uri="{FF2B5EF4-FFF2-40B4-BE49-F238E27FC236}">
+                    <a16:creationId xmlns:a16="http://schemas.microsoft.com/office/drawing/2014/main" id="{2654DC9D-5034-7CD3-80B7-B087DFC93654}"/>
+                  </a:ext>
+                </a:extLst>
+              </p:cNvPr>
+              <p:cNvPicPr>
+                <a:picLocks noChangeAspect="1"/>
+              </p:cNvPicPr>
+              <p:nvPr/>
+            </p:nvPicPr>
+            <p:blipFill>
+              <a:blip r:embed="rId2">
+                <a:extLst>
+                  <a:ext uri="{28A0092B-C50C-407E-A947-70E740481C1C}">
+                    <a14:useLocalDpi xmlns:a14="http://schemas.microsoft.com/office/drawing/2010/main" val="0"/>
+                  </a:ext>
+                </a:extLst>
+              </a:blip>
+              <a:srcRect/>
+              <a:stretch/>
+            </p:blipFill>
+            <p:spPr>
+              <a:xfrm>
+                <a:off x="2209792" y="914395"/>
+                <a:ext cx="7772416" cy="5029210"/>
+              </a:xfrm>
+              <a:prstGeom prst="rect">
+                <a:avLst/>
+              </a:prstGeom>
+            </p:spPr>
+          </p:pic>
+          <p:grpSp>
+            <p:nvGrpSpPr>
+              <p:cNvPr id="13" name="Group 12">
+                <a:extLst>
+                  <a:ext uri="{FF2B5EF4-FFF2-40B4-BE49-F238E27FC236}">
+                    <a16:creationId xmlns:a16="http://schemas.microsoft.com/office/drawing/2014/main" id="{D48AC33E-1890-458B-7AC1-EFC2AFCC9503}"/>
+                  </a:ext>
+                </a:extLst>
+              </p:cNvPr>
+              <p:cNvGrpSpPr/>
+              <p:nvPr/>
+            </p:nvGrpSpPr>
+            <p:grpSpPr>
+              <a:xfrm>
+                <a:off x="2522003" y="826564"/>
+                <a:ext cx="4914876" cy="1775229"/>
+                <a:chOff x="4887134" y="1890433"/>
+                <a:chExt cx="4914876" cy="1775229"/>
+              </a:xfrm>
+            </p:grpSpPr>
+            <p:pic>
+              <p:nvPicPr>
+                <p:cNvPr id="5" name="Picture 4" descr="A diagram of a tree&#10;&#10;Description automatically generated with medium confidence">
+                  <a:extLst>
+                    <a:ext uri="{FF2B5EF4-FFF2-40B4-BE49-F238E27FC236}">
+                      <a16:creationId xmlns:a16="http://schemas.microsoft.com/office/drawing/2014/main" id="{25E1ECBE-3DC0-6139-828A-84B95A3F2F6B}"/>
+                    </a:ext>
+                  </a:extLst>
+                </p:cNvPr>
+                <p:cNvPicPr>
+                  <a:picLocks noChangeAspect="1"/>
+                </p:cNvPicPr>
+                <p:nvPr/>
+              </p:nvPicPr>
+              <p:blipFill rotWithShape="1">
+                <a:blip r:embed="rId3">
+                  <a:clrChange>
+                    <a:clrFrom>
+                      <a:srgbClr val="FFFFFF"/>
+                    </a:clrFrom>
+                    <a:clrTo>
+                      <a:srgbClr val="FFFFFF">
+                        <a:alpha val="0"/>
+                      </a:srgbClr>
+                    </a:clrTo>
+                  </a:clrChange>
+                  <a:extLst>
+                    <a:ext uri="{28A0092B-C50C-407E-A947-70E740481C1C}">
+                      <a14:useLocalDpi xmlns:a14="http://schemas.microsoft.com/office/drawing/2010/main" val="0"/>
+                    </a:ext>
+                  </a:extLst>
+                </a:blip>
+                <a:srcRect l="85103" t="28866" r="1746" b="38373"/>
+                <a:stretch/>
+              </p:blipFill>
+              <p:spPr>
+                <a:xfrm>
+                  <a:off x="8689647" y="1890433"/>
+                  <a:ext cx="1112363" cy="1348034"/>
+                </a:xfrm>
+                <a:prstGeom prst="rect">
+                  <a:avLst/>
+                </a:prstGeom>
+              </p:spPr>
+            </p:pic>
+            <p:pic>
+              <p:nvPicPr>
+                <p:cNvPr id="6" name="Picture 5" descr="A diagram of a tree&#10;&#10;Description automatically generated with medium confidence">
+                  <a:extLst>
+                    <a:ext uri="{FF2B5EF4-FFF2-40B4-BE49-F238E27FC236}">
+                      <a16:creationId xmlns:a16="http://schemas.microsoft.com/office/drawing/2014/main" id="{8595A365-4472-5E3B-3557-92D6BFA4D5A4}"/>
+                    </a:ext>
+                  </a:extLst>
+                </p:cNvPr>
+                <p:cNvPicPr>
+                  <a:picLocks noChangeAspect="1"/>
+                </p:cNvPicPr>
+                <p:nvPr/>
+              </p:nvPicPr>
+              <p:blipFill rotWithShape="1">
+                <a:blip r:embed="rId3">
+                  <a:clrChange>
+                    <a:clrFrom>
+                      <a:srgbClr val="FFFFFF"/>
+                    </a:clrFrom>
+                    <a:clrTo>
+                      <a:srgbClr val="FFFFFF">
+                        <a:alpha val="0"/>
+                      </a:srgbClr>
+                    </a:clrTo>
+                  </a:clrChange>
+                  <a:extLst>
+                    <a:ext uri="{28A0092B-C50C-407E-A947-70E740481C1C}">
+                      <a14:useLocalDpi xmlns:a14="http://schemas.microsoft.com/office/drawing/2010/main" val="0"/>
+                    </a:ext>
+                  </a:extLst>
+                </a:blip>
+                <a:srcRect t="27224" r="86245" b="31768"/>
+                <a:stretch/>
+              </p:blipFill>
+              <p:spPr>
+                <a:xfrm>
+                  <a:off x="4887134" y="1978264"/>
+                  <a:ext cx="1163434" cy="1687398"/>
+                </a:xfrm>
+                <a:prstGeom prst="rect">
+                  <a:avLst/>
+                </a:prstGeom>
+              </p:spPr>
+            </p:pic>
+          </p:grpSp>
+        </p:grpSp>
+        <p:sp>
+          <p:nvSpPr>
+            <p:cNvPr id="2" name="TextBox 1">
+              <a:extLst>
+                <a:ext uri="{FF2B5EF4-FFF2-40B4-BE49-F238E27FC236}">
+                  <a16:creationId xmlns:a16="http://schemas.microsoft.com/office/drawing/2014/main" id="{9B91E22D-86FD-2BD6-BD1B-C1999BDBD8C9}"/>
+                </a:ext>
+              </a:extLst>
+            </p:cNvPr>
+            <p:cNvSpPr txBox="1"/>
+            <p:nvPr/>
+          </p:nvSpPr>
+          <p:spPr>
+            <a:xfrm>
+              <a:off x="2365166" y="914395"/>
+              <a:ext cx="726892" cy="276999"/>
+            </a:xfrm>
+            <a:prstGeom prst="rect">
+              <a:avLst/>
+            </a:prstGeom>
+            <a:noFill/>
+          </p:spPr>
+          <p:txBody>
+            <a:bodyPr wrap="square" rtlCol="0">
+              <a:spAutoFit/>
+            </a:bodyPr>
+            <a:lstStyle/>
+            <a:p>
+              <a:r>
+                <a:rPr lang="en-US" sz="1200" dirty="0">
+                  <a:latin typeface="Arial" panose="020B0604020202020204" pitchFamily="34" charset="0"/>
+                  <a:cs typeface="Arial" panose="020B0604020202020204" pitchFamily="34" charset="0"/>
+                </a:rPr>
+                <a:t>a)</a:t>
+              </a:r>
+            </a:p>
+          </p:txBody>
+        </p:sp>
+        <p:sp>
+          <p:nvSpPr>
+            <p:cNvPr id="3" name="TextBox 2">
+              <a:extLst>
+                <a:ext uri="{FF2B5EF4-FFF2-40B4-BE49-F238E27FC236}">
+                  <a16:creationId xmlns:a16="http://schemas.microsoft.com/office/drawing/2014/main" id="{59F38242-FCC1-D120-1DDA-86DCBD2423F0}"/>
+                </a:ext>
+              </a:extLst>
+            </p:cNvPr>
+            <p:cNvSpPr txBox="1"/>
+            <p:nvPr/>
+          </p:nvSpPr>
+          <p:spPr>
+            <a:xfrm>
+              <a:off x="6180843" y="914395"/>
+              <a:ext cx="726892" cy="276999"/>
+            </a:xfrm>
+            <a:prstGeom prst="rect">
+              <a:avLst/>
+            </a:prstGeom>
+            <a:noFill/>
+          </p:spPr>
+          <p:txBody>
+            <a:bodyPr wrap="square" rtlCol="0">
+              <a:spAutoFit/>
+            </a:bodyPr>
+            <a:lstStyle/>
+            <a:p>
+              <a:r>
+                <a:rPr lang="en-US" sz="1200" dirty="0">
+                  <a:latin typeface="Arial" panose="020B0604020202020204" pitchFamily="34" charset="0"/>
+                  <a:cs typeface="Arial" panose="020B0604020202020204" pitchFamily="34" charset="0"/>
+                </a:rPr>
+                <a:t>b)</a:t>
+              </a:r>
+            </a:p>
+          </p:txBody>
+        </p:sp>
+      </p:grpSp>
+    </p:spTree>
+    <p:extLst>
+      <p:ext uri="{BB962C8B-B14F-4D97-AF65-F5344CB8AC3E}">
+        <p14:creationId xmlns:p14="http://schemas.microsoft.com/office/powerpoint/2010/main" val="686715348"/>
+      </p:ext>
+    </p:extLst>
+  </p:cSld>
+  <p:clrMapOvr>
+    <a:masterClrMapping/>
+  </p:clrMapOvr>
+</p:sld>
+</file>
+
 <file path=ppt/theme/theme1.xml><?xml version="1.0" encoding="utf-8"?>
 <a:theme xmlns:a="http://schemas.openxmlformats.org/drawingml/2006/main" name="Office Theme">
   <a:themeElements>

--- a/Figures/FigureEdits.pptx
+++ b/Figures/FigureEdits.pptx
@@ -5,8 +5,9 @@
     <p:sldMasterId id="2147483648" r:id="rId1"/>
   </p:sldMasterIdLst>
   <p:sldIdLst>
-    <p:sldId id="256" r:id="rId2"/>
-    <p:sldId id="257" r:id="rId3"/>
+    <p:sldId id="258" r:id="rId2"/>
+    <p:sldId id="256" r:id="rId3"/>
+    <p:sldId id="257" r:id="rId4"/>
   </p:sldIdLst>
   <p:sldSz cx="12192000" cy="6858000"/>
   <p:notesSz cx="6858000" cy="9144000"/>
@@ -260,7 +261,7 @@
           <a:p>
             <a:fld id="{16CE7877-CAAE-402D-8B24-004CD3A40743}" type="datetimeFigureOut">
               <a:rPr lang="en-US" smtClean="0"/>
-              <a:t>11/5/2024</a:t>
+              <a:t>11/7/2024</a:t>
             </a:fld>
             <a:endParaRPr lang="en-US"/>
           </a:p>
@@ -458,7 +459,7 @@
           <a:p>
             <a:fld id="{16CE7877-CAAE-402D-8B24-004CD3A40743}" type="datetimeFigureOut">
               <a:rPr lang="en-US" smtClean="0"/>
-              <a:t>11/5/2024</a:t>
+              <a:t>11/7/2024</a:t>
             </a:fld>
             <a:endParaRPr lang="en-US"/>
           </a:p>
@@ -666,7 +667,7 @@
           <a:p>
             <a:fld id="{16CE7877-CAAE-402D-8B24-004CD3A40743}" type="datetimeFigureOut">
               <a:rPr lang="en-US" smtClean="0"/>
-              <a:t>11/5/2024</a:t>
+              <a:t>11/7/2024</a:t>
             </a:fld>
             <a:endParaRPr lang="en-US"/>
           </a:p>
@@ -864,7 +865,7 @@
           <a:p>
             <a:fld id="{16CE7877-CAAE-402D-8B24-004CD3A40743}" type="datetimeFigureOut">
               <a:rPr lang="en-US" smtClean="0"/>
-              <a:t>11/5/2024</a:t>
+              <a:t>11/7/2024</a:t>
             </a:fld>
             <a:endParaRPr lang="en-US"/>
           </a:p>
@@ -1139,7 +1140,7 @@
           <a:p>
             <a:fld id="{16CE7877-CAAE-402D-8B24-004CD3A40743}" type="datetimeFigureOut">
               <a:rPr lang="en-US" smtClean="0"/>
-              <a:t>11/5/2024</a:t>
+              <a:t>11/7/2024</a:t>
             </a:fld>
             <a:endParaRPr lang="en-US"/>
           </a:p>
@@ -1404,7 +1405,7 @@
           <a:p>
             <a:fld id="{16CE7877-CAAE-402D-8B24-004CD3A40743}" type="datetimeFigureOut">
               <a:rPr lang="en-US" smtClean="0"/>
-              <a:t>11/5/2024</a:t>
+              <a:t>11/7/2024</a:t>
             </a:fld>
             <a:endParaRPr lang="en-US"/>
           </a:p>
@@ -1816,7 +1817,7 @@
           <a:p>
             <a:fld id="{16CE7877-CAAE-402D-8B24-004CD3A40743}" type="datetimeFigureOut">
               <a:rPr lang="en-US" smtClean="0"/>
-              <a:t>11/5/2024</a:t>
+              <a:t>11/7/2024</a:t>
             </a:fld>
             <a:endParaRPr lang="en-US"/>
           </a:p>
@@ -1957,7 +1958,7 @@
           <a:p>
             <a:fld id="{16CE7877-CAAE-402D-8B24-004CD3A40743}" type="datetimeFigureOut">
               <a:rPr lang="en-US" smtClean="0"/>
-              <a:t>11/5/2024</a:t>
+              <a:t>11/7/2024</a:t>
             </a:fld>
             <a:endParaRPr lang="en-US"/>
           </a:p>
@@ -2070,7 +2071,7 @@
           <a:p>
             <a:fld id="{16CE7877-CAAE-402D-8B24-004CD3A40743}" type="datetimeFigureOut">
               <a:rPr lang="en-US" smtClean="0"/>
-              <a:t>11/5/2024</a:t>
+              <a:t>11/7/2024</a:t>
             </a:fld>
             <a:endParaRPr lang="en-US"/>
           </a:p>
@@ -2381,7 +2382,7 @@
           <a:p>
             <a:fld id="{16CE7877-CAAE-402D-8B24-004CD3A40743}" type="datetimeFigureOut">
               <a:rPr lang="en-US" smtClean="0"/>
-              <a:t>11/5/2024</a:t>
+              <a:t>11/7/2024</a:t>
             </a:fld>
             <a:endParaRPr lang="en-US"/>
           </a:p>
@@ -2669,7 +2670,7 @@
           <a:p>
             <a:fld id="{16CE7877-CAAE-402D-8B24-004CD3A40743}" type="datetimeFigureOut">
               <a:rPr lang="en-US" smtClean="0"/>
-              <a:t>11/5/2024</a:t>
+              <a:t>11/7/2024</a:t>
             </a:fld>
             <a:endParaRPr lang="en-US"/>
           </a:p>
@@ -2910,7 +2911,7 @@
           <a:p>
             <a:fld id="{16CE7877-CAAE-402D-8B24-004CD3A40743}" type="datetimeFigureOut">
               <a:rPr lang="en-US" smtClean="0"/>
-              <a:t>11/5/2024</a:t>
+              <a:t>11/7/2024</a:t>
             </a:fld>
             <a:endParaRPr lang="en-US"/>
           </a:p>
@@ -3329,6 +3330,964 @@
       </p:grpSpPr>
       <p:grpSp>
         <p:nvGrpSpPr>
+          <p:cNvPr id="35" name="Group 34">
+            <a:extLst>
+              <a:ext uri="{FF2B5EF4-FFF2-40B4-BE49-F238E27FC236}">
+                <a16:creationId xmlns:a16="http://schemas.microsoft.com/office/drawing/2014/main" id="{36463A1B-2552-E666-2864-74120D90DC97}"/>
+              </a:ext>
+            </a:extLst>
+          </p:cNvPr>
+          <p:cNvGrpSpPr/>
+          <p:nvPr/>
+        </p:nvGrpSpPr>
+        <p:grpSpPr>
+          <a:xfrm>
+            <a:off x="304734" y="480148"/>
+            <a:ext cx="11582532" cy="5401537"/>
+            <a:chOff x="259714" y="480148"/>
+            <a:chExt cx="11582532" cy="5401537"/>
+          </a:xfrm>
+        </p:grpSpPr>
+        <p:grpSp>
+          <p:nvGrpSpPr>
+            <p:cNvPr id="22" name="Group 21">
+              <a:extLst>
+                <a:ext uri="{FF2B5EF4-FFF2-40B4-BE49-F238E27FC236}">
+                  <a16:creationId xmlns:a16="http://schemas.microsoft.com/office/drawing/2014/main" id="{F4DD015D-50C9-C544-4825-C43C49D6049D}"/>
+                </a:ext>
+              </a:extLst>
+            </p:cNvPr>
+            <p:cNvGrpSpPr/>
+            <p:nvPr/>
+          </p:nvGrpSpPr>
+          <p:grpSpPr>
+            <a:xfrm>
+              <a:off x="259714" y="480148"/>
+              <a:ext cx="11582532" cy="5401537"/>
+              <a:chOff x="259714" y="480148"/>
+              <a:chExt cx="11582532" cy="5401537"/>
+            </a:xfrm>
+          </p:grpSpPr>
+          <p:grpSp>
+            <p:nvGrpSpPr>
+              <p:cNvPr id="17" name="Group 16">
+                <a:extLst>
+                  <a:ext uri="{FF2B5EF4-FFF2-40B4-BE49-F238E27FC236}">
+                    <a16:creationId xmlns:a16="http://schemas.microsoft.com/office/drawing/2014/main" id="{7B5AAB46-23C8-1ED6-B3A9-593D579D3316}"/>
+                  </a:ext>
+                </a:extLst>
+              </p:cNvPr>
+              <p:cNvGrpSpPr/>
+              <p:nvPr/>
+            </p:nvGrpSpPr>
+            <p:grpSpPr>
+              <a:xfrm>
+                <a:off x="259714" y="480148"/>
+                <a:ext cx="11398251" cy="5209339"/>
+                <a:chOff x="396874" y="461860"/>
+                <a:chExt cx="11398251" cy="5209339"/>
+              </a:xfrm>
+            </p:grpSpPr>
+            <p:pic>
+              <p:nvPicPr>
+                <p:cNvPr id="7" name="Picture 6" descr="A map of the united states&#10;&#10;Description automatically generated">
+                  <a:extLst>
+                    <a:ext uri="{FF2B5EF4-FFF2-40B4-BE49-F238E27FC236}">
+                      <a16:creationId xmlns:a16="http://schemas.microsoft.com/office/drawing/2014/main" id="{876BD1C7-EC1B-A4F0-919C-874C0D3016AC}"/>
+                    </a:ext>
+                  </a:extLst>
+                </p:cNvPr>
+                <p:cNvPicPr>
+                  <a:picLocks noChangeAspect="1"/>
+                </p:cNvPicPr>
+                <p:nvPr/>
+              </p:nvPicPr>
+              <p:blipFill rotWithShape="1">
+                <a:blip r:embed="rId2">
+                  <a:extLst>
+                    <a:ext uri="{28A0092B-C50C-407E-A947-70E740481C1C}">
+                      <a14:useLocalDpi xmlns:a14="http://schemas.microsoft.com/office/drawing/2010/main" val="0"/>
+                    </a:ext>
+                  </a:extLst>
+                </a:blip>
+                <a:srcRect l="5107" t="30225" r="4658" b="30770"/>
+                <a:stretch/>
+              </p:blipFill>
+              <p:spPr>
+                <a:xfrm>
+                  <a:off x="8931654" y="4377411"/>
+                  <a:ext cx="2072122" cy="1293788"/>
+                </a:xfrm>
+                <a:prstGeom prst="rect">
+                  <a:avLst/>
+                </a:prstGeom>
+              </p:spPr>
+            </p:pic>
+            <p:grpSp>
+              <p:nvGrpSpPr>
+                <p:cNvPr id="16" name="Group 15">
+                  <a:extLst>
+                    <a:ext uri="{FF2B5EF4-FFF2-40B4-BE49-F238E27FC236}">
+                      <a16:creationId xmlns:a16="http://schemas.microsoft.com/office/drawing/2014/main" id="{941AD726-8126-2244-18E7-F2DBB7100C61}"/>
+                    </a:ext>
+                  </a:extLst>
+                </p:cNvPr>
+                <p:cNvGrpSpPr/>
+                <p:nvPr/>
+              </p:nvGrpSpPr>
+              <p:grpSpPr>
+                <a:xfrm>
+                  <a:off x="396874" y="461860"/>
+                  <a:ext cx="11398251" cy="4875368"/>
+                  <a:chOff x="396874" y="461860"/>
+                  <a:chExt cx="11398251" cy="4875368"/>
+                </a:xfrm>
+              </p:grpSpPr>
+              <p:pic>
+                <p:nvPicPr>
+                  <p:cNvPr id="5" name="Picture 4" descr="A map of a large animal&#10;&#10;Description automatically generated with medium confidence">
+                    <a:extLst>
+                      <a:ext uri="{FF2B5EF4-FFF2-40B4-BE49-F238E27FC236}">
+                        <a16:creationId xmlns:a16="http://schemas.microsoft.com/office/drawing/2014/main" id="{274C6712-FC1F-8B81-EB19-47B0A37CA9EF}"/>
+                      </a:ext>
+                    </a:extLst>
+                  </p:cNvPr>
+                  <p:cNvPicPr>
+                    <a:picLocks noChangeAspect="1"/>
+                  </p:cNvPicPr>
+                  <p:nvPr/>
+                </p:nvPicPr>
+                <p:blipFill rotWithShape="1">
+                  <a:blip r:embed="rId3">
+                    <a:clrChange>
+                      <a:clrFrom>
+                        <a:srgbClr val="000000">
+                          <a:alpha val="0"/>
+                        </a:srgbClr>
+                      </a:clrFrom>
+                      <a:clrTo>
+                        <a:srgbClr val="000000">
+                          <a:alpha val="0"/>
+                        </a:srgbClr>
+                      </a:clrTo>
+                    </a:clrChange>
+                    <a:extLst>
+                      <a:ext uri="{28A0092B-C50C-407E-A947-70E740481C1C}">
+                        <a14:useLocalDpi xmlns:a14="http://schemas.microsoft.com/office/drawing/2010/main" val="0"/>
+                      </a:ext>
+                    </a:extLst>
+                  </a:blip>
+                  <a:srcRect l="2848" t="21368" r="1301" b="25020"/>
+                  <a:stretch/>
+                </p:blipFill>
+                <p:spPr>
+                  <a:xfrm>
+                    <a:off x="396874" y="461860"/>
+                    <a:ext cx="11398251" cy="4875368"/>
+                  </a:xfrm>
+                  <a:prstGeom prst="rect">
+                    <a:avLst/>
+                  </a:prstGeom>
+                </p:spPr>
+              </p:pic>
+              <p:grpSp>
+                <p:nvGrpSpPr>
+                  <p:cNvPr id="15" name="Group 14">
+                    <a:extLst>
+                      <a:ext uri="{FF2B5EF4-FFF2-40B4-BE49-F238E27FC236}">
+                        <a16:creationId xmlns:a16="http://schemas.microsoft.com/office/drawing/2014/main" id="{B10FB999-7AB2-5579-E3D4-C4FD6653F6F3}"/>
+                      </a:ext>
+                    </a:extLst>
+                  </p:cNvPr>
+                  <p:cNvGrpSpPr/>
+                  <p:nvPr/>
+                </p:nvGrpSpPr>
+                <p:grpSpPr>
+                  <a:xfrm>
+                    <a:off x="8397292" y="1821988"/>
+                    <a:ext cx="1073796" cy="2322295"/>
+                    <a:chOff x="8777567" y="2520893"/>
+                    <a:chExt cx="1073796" cy="2322295"/>
+                  </a:xfrm>
+                </p:grpSpPr>
+                <p:sp>
+                  <p:nvSpPr>
+                    <p:cNvPr id="8" name="TextBox 7">
+                      <a:extLst>
+                        <a:ext uri="{FF2B5EF4-FFF2-40B4-BE49-F238E27FC236}">
+                          <a16:creationId xmlns:a16="http://schemas.microsoft.com/office/drawing/2014/main" id="{703D962C-A458-BF55-1614-02D70C0F8755}"/>
+                        </a:ext>
+                      </a:extLst>
+                    </p:cNvPr>
+                    <p:cNvSpPr txBox="1"/>
+                    <p:nvPr/>
+                  </p:nvSpPr>
+                  <p:spPr>
+                    <a:xfrm>
+                      <a:off x="8777567" y="2862236"/>
+                      <a:ext cx="1073791" cy="307777"/>
+                    </a:xfrm>
+                    <a:prstGeom prst="rect">
+                      <a:avLst/>
+                    </a:prstGeom>
+                    <a:noFill/>
+                  </p:spPr>
+                  <p:txBody>
+                    <a:bodyPr wrap="square" rtlCol="0">
+                      <a:spAutoFit/>
+                    </a:bodyPr>
+                    <a:lstStyle/>
+                    <a:p>
+                      <a:r>
+                        <a:rPr lang="en-US" sz="1400" dirty="0">
+                          <a:latin typeface="Arial" panose="020B0604020202020204" pitchFamily="34" charset="0"/>
+                          <a:cs typeface="Arial" panose="020B0604020202020204" pitchFamily="34" charset="0"/>
+                        </a:rPr>
+                        <a:t>1.25%</a:t>
+                      </a:r>
+                    </a:p>
+                  </p:txBody>
+                </p:sp>
+                <p:sp>
+                  <p:nvSpPr>
+                    <p:cNvPr id="9" name="TextBox 8">
+                      <a:extLst>
+                        <a:ext uri="{FF2B5EF4-FFF2-40B4-BE49-F238E27FC236}">
+                          <a16:creationId xmlns:a16="http://schemas.microsoft.com/office/drawing/2014/main" id="{AA906789-CBF2-0EA0-4C8E-688E1D57FDA0}"/>
+                        </a:ext>
+                      </a:extLst>
+                    </p:cNvPr>
+                    <p:cNvSpPr txBox="1"/>
+                    <p:nvPr/>
+                  </p:nvSpPr>
+                  <p:spPr>
+                    <a:xfrm>
+                      <a:off x="8777567" y="4194068"/>
+                      <a:ext cx="1073791" cy="307777"/>
+                    </a:xfrm>
+                    <a:prstGeom prst="rect">
+                      <a:avLst/>
+                    </a:prstGeom>
+                    <a:noFill/>
+                  </p:spPr>
+                  <p:txBody>
+                    <a:bodyPr wrap="square" rtlCol="0">
+                      <a:spAutoFit/>
+                    </a:bodyPr>
+                    <a:lstStyle/>
+                    <a:p>
+                      <a:r>
+                        <a:rPr lang="en-US" sz="1400" dirty="0">
+                          <a:latin typeface="Arial" panose="020B0604020202020204" pitchFamily="34" charset="0"/>
+                          <a:cs typeface="Arial" panose="020B0604020202020204" pitchFamily="34" charset="0"/>
+                        </a:rPr>
+                        <a:t>27.6%</a:t>
+                      </a:r>
+                    </a:p>
+                  </p:txBody>
+                </p:sp>
+                <p:sp>
+                  <p:nvSpPr>
+                    <p:cNvPr id="10" name="TextBox 9">
+                      <a:extLst>
+                        <a:ext uri="{FF2B5EF4-FFF2-40B4-BE49-F238E27FC236}">
+                          <a16:creationId xmlns:a16="http://schemas.microsoft.com/office/drawing/2014/main" id="{6ABBEA39-D2A3-7DD0-74E6-A350ED5D82CE}"/>
+                        </a:ext>
+                      </a:extLst>
+                    </p:cNvPr>
+                    <p:cNvSpPr txBox="1"/>
+                    <p:nvPr/>
+                  </p:nvSpPr>
+                  <p:spPr>
+                    <a:xfrm>
+                      <a:off x="8777568" y="3190724"/>
+                      <a:ext cx="1073791" cy="307777"/>
+                    </a:xfrm>
+                    <a:prstGeom prst="rect">
+                      <a:avLst/>
+                    </a:prstGeom>
+                    <a:noFill/>
+                  </p:spPr>
+                  <p:txBody>
+                    <a:bodyPr wrap="square" rtlCol="0">
+                      <a:spAutoFit/>
+                    </a:bodyPr>
+                    <a:lstStyle/>
+                    <a:p>
+                      <a:r>
+                        <a:rPr lang="en-US" sz="1400" dirty="0">
+                          <a:latin typeface="Arial" panose="020B0604020202020204" pitchFamily="34" charset="0"/>
+                          <a:cs typeface="Arial" panose="020B0604020202020204" pitchFamily="34" charset="0"/>
+                        </a:rPr>
+                        <a:t>23.8%</a:t>
+                      </a:r>
+                    </a:p>
+                  </p:txBody>
+                </p:sp>
+                <p:sp>
+                  <p:nvSpPr>
+                    <p:cNvPr id="11" name="TextBox 10">
+                      <a:extLst>
+                        <a:ext uri="{FF2B5EF4-FFF2-40B4-BE49-F238E27FC236}">
+                          <a16:creationId xmlns:a16="http://schemas.microsoft.com/office/drawing/2014/main" id="{BF413474-D724-6B2B-CEE9-ACAB2C3DF074}"/>
+                        </a:ext>
+                      </a:extLst>
+                    </p:cNvPr>
+                    <p:cNvSpPr txBox="1"/>
+                    <p:nvPr/>
+                  </p:nvSpPr>
+                  <p:spPr>
+                    <a:xfrm>
+                      <a:off x="8777569" y="3847700"/>
+                      <a:ext cx="1073791" cy="307777"/>
+                    </a:xfrm>
+                    <a:prstGeom prst="rect">
+                      <a:avLst/>
+                    </a:prstGeom>
+                    <a:noFill/>
+                  </p:spPr>
+                  <p:txBody>
+                    <a:bodyPr wrap="square" rtlCol="0">
+                      <a:spAutoFit/>
+                    </a:bodyPr>
+                    <a:lstStyle/>
+                    <a:p>
+                      <a:r>
+                        <a:rPr lang="en-US" sz="1400" dirty="0">
+                          <a:latin typeface="Arial" panose="020B0604020202020204" pitchFamily="34" charset="0"/>
+                          <a:cs typeface="Arial" panose="020B0604020202020204" pitchFamily="34" charset="0"/>
+                        </a:rPr>
+                        <a:t>14.8%</a:t>
+                      </a:r>
+                    </a:p>
+                  </p:txBody>
+                </p:sp>
+                <p:sp>
+                  <p:nvSpPr>
+                    <p:cNvPr id="12" name="TextBox 11">
+                      <a:extLst>
+                        <a:ext uri="{FF2B5EF4-FFF2-40B4-BE49-F238E27FC236}">
+                          <a16:creationId xmlns:a16="http://schemas.microsoft.com/office/drawing/2014/main" id="{E8DC7E89-F1F3-38A2-7C89-B9370E2A7AE7}"/>
+                        </a:ext>
+                      </a:extLst>
+                    </p:cNvPr>
+                    <p:cNvSpPr txBox="1"/>
+                    <p:nvPr/>
+                  </p:nvSpPr>
+                  <p:spPr>
+                    <a:xfrm>
+                      <a:off x="8777568" y="3527550"/>
+                      <a:ext cx="1073791" cy="307777"/>
+                    </a:xfrm>
+                    <a:prstGeom prst="rect">
+                      <a:avLst/>
+                    </a:prstGeom>
+                    <a:noFill/>
+                  </p:spPr>
+                  <p:txBody>
+                    <a:bodyPr wrap="square" rtlCol="0">
+                      <a:spAutoFit/>
+                    </a:bodyPr>
+                    <a:lstStyle/>
+                    <a:p>
+                      <a:r>
+                        <a:rPr lang="en-US" sz="1400" dirty="0">
+                          <a:latin typeface="Arial" panose="020B0604020202020204" pitchFamily="34" charset="0"/>
+                          <a:cs typeface="Arial" panose="020B0604020202020204" pitchFamily="34" charset="0"/>
+                        </a:rPr>
+                        <a:t>5.17%</a:t>
+                      </a:r>
+                    </a:p>
+                  </p:txBody>
+                </p:sp>
+                <p:sp>
+                  <p:nvSpPr>
+                    <p:cNvPr id="13" name="TextBox 12">
+                      <a:extLst>
+                        <a:ext uri="{FF2B5EF4-FFF2-40B4-BE49-F238E27FC236}">
+                          <a16:creationId xmlns:a16="http://schemas.microsoft.com/office/drawing/2014/main" id="{66F2E2EB-5A20-990A-E417-781A194D9B57}"/>
+                        </a:ext>
+                      </a:extLst>
+                    </p:cNvPr>
+                    <p:cNvSpPr txBox="1"/>
+                    <p:nvPr/>
+                  </p:nvSpPr>
+                  <p:spPr>
+                    <a:xfrm>
+                      <a:off x="8777572" y="2520893"/>
+                      <a:ext cx="1073791" cy="307777"/>
+                    </a:xfrm>
+                    <a:prstGeom prst="rect">
+                      <a:avLst/>
+                    </a:prstGeom>
+                    <a:noFill/>
+                  </p:spPr>
+                  <p:txBody>
+                    <a:bodyPr wrap="square" rtlCol="0">
+                      <a:spAutoFit/>
+                    </a:bodyPr>
+                    <a:lstStyle/>
+                    <a:p>
+                      <a:r>
+                        <a:rPr lang="en-US" sz="1400" dirty="0">
+                          <a:latin typeface="Arial" panose="020B0604020202020204" pitchFamily="34" charset="0"/>
+                          <a:cs typeface="Arial" panose="020B0604020202020204" pitchFamily="34" charset="0"/>
+                        </a:rPr>
+                        <a:t>27.3%</a:t>
+                      </a:r>
+                    </a:p>
+                  </p:txBody>
+                </p:sp>
+                <p:sp>
+                  <p:nvSpPr>
+                    <p:cNvPr id="14" name="TextBox 13">
+                      <a:extLst>
+                        <a:ext uri="{FF2B5EF4-FFF2-40B4-BE49-F238E27FC236}">
+                          <a16:creationId xmlns:a16="http://schemas.microsoft.com/office/drawing/2014/main" id="{0F98E140-4D83-F87F-FCA5-A5199BD877CD}"/>
+                        </a:ext>
+                      </a:extLst>
+                    </p:cNvPr>
+                    <p:cNvSpPr txBox="1"/>
+                    <p:nvPr/>
+                  </p:nvSpPr>
+                  <p:spPr>
+                    <a:xfrm>
+                      <a:off x="8777568" y="4535411"/>
+                      <a:ext cx="1073791" cy="307777"/>
+                    </a:xfrm>
+                    <a:prstGeom prst="rect">
+                      <a:avLst/>
+                    </a:prstGeom>
+                    <a:noFill/>
+                  </p:spPr>
+                  <p:txBody>
+                    <a:bodyPr wrap="square" rtlCol="0">
+                      <a:spAutoFit/>
+                    </a:bodyPr>
+                    <a:lstStyle/>
+                    <a:p>
+                      <a:r>
+                        <a:rPr lang="en-US" sz="1400" dirty="0">
+                          <a:latin typeface="Arial" panose="020B0604020202020204" pitchFamily="34" charset="0"/>
+                          <a:cs typeface="Arial" panose="020B0604020202020204" pitchFamily="34" charset="0"/>
+                        </a:rPr>
+                        <a:t>0.07%</a:t>
+                      </a:r>
+                    </a:p>
+                  </p:txBody>
+                </p:sp>
+              </p:grpSp>
+            </p:grpSp>
+          </p:grpSp>
+          <p:sp>
+            <p:nvSpPr>
+              <p:cNvPr id="18" name="TextBox 17">
+                <a:extLst>
+                  <a:ext uri="{FF2B5EF4-FFF2-40B4-BE49-F238E27FC236}">
+                    <a16:creationId xmlns:a16="http://schemas.microsoft.com/office/drawing/2014/main" id="{BDA1289A-4430-9BF7-F977-93B938172185}"/>
+                  </a:ext>
+                </a:extLst>
+              </p:cNvPr>
+              <p:cNvSpPr txBox="1"/>
+              <p:nvPr/>
+            </p:nvSpPr>
+            <p:spPr>
+              <a:xfrm>
+                <a:off x="8252600" y="769059"/>
+                <a:ext cx="3589646" cy="830997"/>
+              </a:xfrm>
+              <a:prstGeom prst="rect">
+                <a:avLst/>
+              </a:prstGeom>
+              <a:noFill/>
+            </p:spPr>
+            <p:txBody>
+              <a:bodyPr wrap="square" rtlCol="0">
+                <a:spAutoFit/>
+              </a:bodyPr>
+              <a:lstStyle/>
+              <a:p>
+                <a:r>
+                  <a:rPr lang="en-US" sz="1600" dirty="0">
+                    <a:latin typeface="Arial" panose="020B0604020202020204" pitchFamily="34" charset="0"/>
+                    <a:cs typeface="Arial" panose="020B0604020202020204" pitchFamily="34" charset="0"/>
+                  </a:rPr>
+                  <a:t>Total drainage area: 5.5 km</a:t>
+                </a:r>
+                <a:r>
+                  <a:rPr lang="en-US" sz="1600" baseline="30000" dirty="0">
+                    <a:latin typeface="Arial" panose="020B0604020202020204" pitchFamily="34" charset="0"/>
+                    <a:cs typeface="Arial" panose="020B0604020202020204" pitchFamily="34" charset="0"/>
+                  </a:rPr>
+                  <a:t>2</a:t>
+                </a:r>
+              </a:p>
+              <a:p>
+                <a:r>
+                  <a:rPr lang="en-US" sz="1600" dirty="0">
+                    <a:latin typeface="Arial" panose="020B0604020202020204" pitchFamily="34" charset="0"/>
+                    <a:cs typeface="Arial" panose="020B0604020202020204" pitchFamily="34" charset="0"/>
+                  </a:rPr>
+                  <a:t>Elevation: 3748 m at Arikaree Glacier to 3352 m at Albion outlet</a:t>
+                </a:r>
+                <a:endParaRPr lang="en-US" sz="1600" baseline="30000" dirty="0">
+                  <a:latin typeface="Arial" panose="020B0604020202020204" pitchFamily="34" charset="0"/>
+                  <a:cs typeface="Arial" panose="020B0604020202020204" pitchFamily="34" charset="0"/>
+                </a:endParaRPr>
+              </a:p>
+            </p:txBody>
+          </p:sp>
+          <p:grpSp>
+            <p:nvGrpSpPr>
+              <p:cNvPr id="19" name="Group 18">
+                <a:extLst>
+                  <a:ext uri="{FF2B5EF4-FFF2-40B4-BE49-F238E27FC236}">
+                    <a16:creationId xmlns:a16="http://schemas.microsoft.com/office/drawing/2014/main" id="{3BB512AB-466A-BBD9-A258-7AB010909A64}"/>
+                  </a:ext>
+                </a:extLst>
+              </p:cNvPr>
+              <p:cNvGrpSpPr/>
+              <p:nvPr/>
+            </p:nvGrpSpPr>
+            <p:grpSpPr>
+              <a:xfrm>
+                <a:off x="1605953" y="5512353"/>
+                <a:ext cx="6339509" cy="369332"/>
+                <a:chOff x="1842463" y="6318757"/>
+                <a:chExt cx="6339509" cy="369332"/>
+              </a:xfrm>
+            </p:grpSpPr>
+            <p:cxnSp>
+              <p:nvCxnSpPr>
+                <p:cNvPr id="20" name="Straight Arrow Connector 19">
+                  <a:extLst>
+                    <a:ext uri="{FF2B5EF4-FFF2-40B4-BE49-F238E27FC236}">
+                      <a16:creationId xmlns:a16="http://schemas.microsoft.com/office/drawing/2014/main" id="{154F9667-B451-9007-9CE5-73B4902DBE1C}"/>
+                    </a:ext>
+                  </a:extLst>
+                </p:cNvPr>
+                <p:cNvCxnSpPr/>
+                <p:nvPr/>
+              </p:nvCxnSpPr>
+              <p:spPr>
+                <a:xfrm>
+                  <a:off x="1842463" y="6318757"/>
+                  <a:ext cx="6339509" cy="0"/>
+                </a:xfrm>
+                <a:prstGeom prst="straightConnector1">
+                  <a:avLst/>
+                </a:prstGeom>
+                <a:ln w="76200">
+                  <a:solidFill>
+                    <a:schemeClr val="tx1"/>
+                  </a:solidFill>
+                  <a:tailEnd type="triangle"/>
+                </a:ln>
+              </p:spPr>
+              <p:style>
+                <a:lnRef idx="1">
+                  <a:schemeClr val="accent1"/>
+                </a:lnRef>
+                <a:fillRef idx="0">
+                  <a:schemeClr val="accent1"/>
+                </a:fillRef>
+                <a:effectRef idx="0">
+                  <a:schemeClr val="accent1"/>
+                </a:effectRef>
+                <a:fontRef idx="minor">
+                  <a:schemeClr val="tx1"/>
+                </a:fontRef>
+              </p:style>
+            </p:cxnSp>
+            <p:sp>
+              <p:nvSpPr>
+                <p:cNvPr id="21" name="TextBox 20">
+                  <a:extLst>
+                    <a:ext uri="{FF2B5EF4-FFF2-40B4-BE49-F238E27FC236}">
+                      <a16:creationId xmlns:a16="http://schemas.microsoft.com/office/drawing/2014/main" id="{717BFEB7-8980-7C7B-299C-EA7F594701ED}"/>
+                    </a:ext>
+                  </a:extLst>
+                </p:cNvPr>
+                <p:cNvSpPr txBox="1"/>
+                <p:nvPr/>
+              </p:nvSpPr>
+              <p:spPr>
+                <a:xfrm>
+                  <a:off x="4163853" y="6318757"/>
+                  <a:ext cx="1696728" cy="369332"/>
+                </a:xfrm>
+                <a:prstGeom prst="rect">
+                  <a:avLst/>
+                </a:prstGeom>
+                <a:noFill/>
+              </p:spPr>
+              <p:txBody>
+                <a:bodyPr wrap="square" rtlCol="0">
+                  <a:spAutoFit/>
+                </a:bodyPr>
+                <a:lstStyle/>
+                <a:p>
+                  <a:r>
+                    <a:rPr lang="en-US" dirty="0">
+                      <a:latin typeface="Arial" panose="020B0604020202020204" pitchFamily="34" charset="0"/>
+                      <a:cs typeface="Arial" panose="020B0604020202020204" pitchFamily="34" charset="0"/>
+                    </a:rPr>
+                    <a:t>Flow direction</a:t>
+                  </a:r>
+                </a:p>
+              </p:txBody>
+            </p:sp>
+          </p:grpSp>
+        </p:grpSp>
+        <p:grpSp>
+          <p:nvGrpSpPr>
+            <p:cNvPr id="34" name="Group 33">
+              <a:extLst>
+                <a:ext uri="{FF2B5EF4-FFF2-40B4-BE49-F238E27FC236}">
+                  <a16:creationId xmlns:a16="http://schemas.microsoft.com/office/drawing/2014/main" id="{69871EAF-8269-EA80-11BA-A63C8A241CCE}"/>
+                </a:ext>
+              </a:extLst>
+            </p:cNvPr>
+            <p:cNvGrpSpPr/>
+            <p:nvPr/>
+          </p:nvGrpSpPr>
+          <p:grpSpPr>
+            <a:xfrm>
+              <a:off x="1127396" y="576205"/>
+              <a:ext cx="7010690" cy="2790865"/>
+              <a:chOff x="1395667" y="1318848"/>
+              <a:chExt cx="7010690" cy="2790865"/>
+            </a:xfrm>
+          </p:grpSpPr>
+          <p:sp>
+            <p:nvSpPr>
+              <p:cNvPr id="23" name="TextBox 22">
+                <a:extLst>
+                  <a:ext uri="{FF2B5EF4-FFF2-40B4-BE49-F238E27FC236}">
+                    <a16:creationId xmlns:a16="http://schemas.microsoft.com/office/drawing/2014/main" id="{20789F3F-66FD-56BF-ACD2-2B4CDA4B4E3D}"/>
+                  </a:ext>
+                </a:extLst>
+              </p:cNvPr>
+              <p:cNvSpPr txBox="1"/>
+              <p:nvPr/>
+            </p:nvSpPr>
+            <p:spPr>
+              <a:xfrm>
+                <a:off x="2416267" y="1804477"/>
+                <a:ext cx="1073790" cy="400110"/>
+              </a:xfrm>
+              <a:prstGeom prst="rect">
+                <a:avLst/>
+              </a:prstGeom>
+              <a:noFill/>
+            </p:spPr>
+            <p:txBody>
+              <a:bodyPr wrap="square" rtlCol="0">
+                <a:spAutoFit/>
+              </a:bodyPr>
+              <a:lstStyle/>
+              <a:p>
+                <a:r>
+                  <a:rPr lang="en-US" sz="2000" b="1" dirty="0">
+                    <a:solidFill>
+                      <a:srgbClr val="906388"/>
+                    </a:solidFill>
+                    <a:effectLst>
+                      <a:outerShdw blurRad="38100" dist="38100" dir="2700000" algn="tl">
+                        <a:srgbClr val="000000">
+                          <a:alpha val="43137"/>
+                        </a:srgbClr>
+                      </a:outerShdw>
+                    </a:effectLst>
+                    <a:latin typeface="Arial" panose="020B0604020202020204" pitchFamily="34" charset="0"/>
+                    <a:cs typeface="Arial" panose="020B0604020202020204" pitchFamily="34" charset="0"/>
+                  </a:rPr>
+                  <a:t>GL5</a:t>
+                </a:r>
+              </a:p>
+            </p:txBody>
+          </p:sp>
+          <p:sp>
+            <p:nvSpPr>
+              <p:cNvPr id="24" name="TextBox 23">
+                <a:extLst>
+                  <a:ext uri="{FF2B5EF4-FFF2-40B4-BE49-F238E27FC236}">
+                    <a16:creationId xmlns:a16="http://schemas.microsoft.com/office/drawing/2014/main" id="{D2FB0C6A-3570-1DE7-FA42-BCDF155AC1B2}"/>
+                  </a:ext>
+                </a:extLst>
+              </p:cNvPr>
+              <p:cNvSpPr txBox="1"/>
+              <p:nvPr/>
+            </p:nvSpPr>
+            <p:spPr>
+              <a:xfrm>
+                <a:off x="4841444" y="1318848"/>
+                <a:ext cx="1073790" cy="400110"/>
+              </a:xfrm>
+              <a:prstGeom prst="rect">
+                <a:avLst/>
+              </a:prstGeom>
+              <a:noFill/>
+            </p:spPr>
+            <p:txBody>
+              <a:bodyPr wrap="square" rtlCol="0">
+                <a:spAutoFit/>
+              </a:bodyPr>
+              <a:lstStyle/>
+              <a:p>
+                <a:r>
+                  <a:rPr lang="en-US" sz="2000" b="1" dirty="0">
+                    <a:solidFill>
+                      <a:srgbClr val="9398D2"/>
+                    </a:solidFill>
+                    <a:effectLst>
+                      <a:outerShdw blurRad="38100" dist="38100" dir="2700000" algn="tl">
+                        <a:srgbClr val="000000">
+                          <a:alpha val="43137"/>
+                        </a:srgbClr>
+                      </a:outerShdw>
+                    </a:effectLst>
+                    <a:latin typeface="Arial" panose="020B0604020202020204" pitchFamily="34" charset="0"/>
+                    <a:cs typeface="Arial" panose="020B0604020202020204" pitchFamily="34" charset="0"/>
+                  </a:rPr>
+                  <a:t>GL4</a:t>
+                </a:r>
+              </a:p>
+            </p:txBody>
+          </p:sp>
+          <p:sp>
+            <p:nvSpPr>
+              <p:cNvPr id="25" name="TextBox 24">
+                <a:extLst>
+                  <a:ext uri="{FF2B5EF4-FFF2-40B4-BE49-F238E27FC236}">
+                    <a16:creationId xmlns:a16="http://schemas.microsoft.com/office/drawing/2014/main" id="{51FC34F7-525B-8DE6-FB69-C6AA27A116CF}"/>
+                  </a:ext>
+                </a:extLst>
+              </p:cNvPr>
+              <p:cNvSpPr txBox="1"/>
+              <p:nvPr/>
+            </p:nvSpPr>
+            <p:spPr>
+              <a:xfrm>
+                <a:off x="6144262" y="1374519"/>
+                <a:ext cx="1073790" cy="400110"/>
+              </a:xfrm>
+              <a:prstGeom prst="rect">
+                <a:avLst/>
+              </a:prstGeom>
+              <a:noFill/>
+            </p:spPr>
+            <p:txBody>
+              <a:bodyPr wrap="square" rtlCol="0">
+                <a:spAutoFit/>
+              </a:bodyPr>
+              <a:lstStyle/>
+              <a:p>
+                <a:r>
+                  <a:rPr lang="en-US" sz="2000" b="1" dirty="0">
+                    <a:solidFill>
+                      <a:srgbClr val="81C4E7"/>
+                    </a:solidFill>
+                    <a:effectLst>
+                      <a:outerShdw blurRad="38100" dist="38100" dir="2700000" algn="tl">
+                        <a:srgbClr val="000000">
+                          <a:alpha val="43137"/>
+                        </a:srgbClr>
+                      </a:outerShdw>
+                    </a:effectLst>
+                    <a:latin typeface="Arial" panose="020B0604020202020204" pitchFamily="34" charset="0"/>
+                    <a:cs typeface="Arial" panose="020B0604020202020204" pitchFamily="34" charset="0"/>
+                  </a:rPr>
+                  <a:t>GL3</a:t>
+                </a:r>
+              </a:p>
+            </p:txBody>
+          </p:sp>
+          <p:sp>
+            <p:nvSpPr>
+              <p:cNvPr id="26" name="TextBox 25">
+                <a:extLst>
+                  <a:ext uri="{FF2B5EF4-FFF2-40B4-BE49-F238E27FC236}">
+                    <a16:creationId xmlns:a16="http://schemas.microsoft.com/office/drawing/2014/main" id="{9CCDDCFF-E970-1839-EFD6-91F7A80AD998}"/>
+                  </a:ext>
+                </a:extLst>
+              </p:cNvPr>
+              <p:cNvSpPr txBox="1"/>
+              <p:nvPr/>
+            </p:nvSpPr>
+            <p:spPr>
+              <a:xfrm>
+                <a:off x="7332567" y="2088289"/>
+                <a:ext cx="1073790" cy="400110"/>
+              </a:xfrm>
+              <a:prstGeom prst="rect">
+                <a:avLst/>
+              </a:prstGeom>
+              <a:noFill/>
+            </p:spPr>
+            <p:txBody>
+              <a:bodyPr wrap="square" rtlCol="0">
+                <a:spAutoFit/>
+              </a:bodyPr>
+              <a:lstStyle/>
+              <a:p>
+                <a:r>
+                  <a:rPr lang="en-US" sz="2000" b="1" dirty="0">
+                    <a:solidFill>
+                      <a:srgbClr val="B5DDD8"/>
+                    </a:solidFill>
+                    <a:effectLst>
+                      <a:outerShdw blurRad="38100" dist="38100" dir="2700000" algn="tl">
+                        <a:srgbClr val="000000">
+                          <a:alpha val="43137"/>
+                        </a:srgbClr>
+                      </a:outerShdw>
+                    </a:effectLst>
+                    <a:latin typeface="Arial" panose="020B0604020202020204" pitchFamily="34" charset="0"/>
+                    <a:cs typeface="Arial" panose="020B0604020202020204" pitchFamily="34" charset="0"/>
+                  </a:rPr>
+                  <a:t>ALB</a:t>
+                </a:r>
+              </a:p>
+            </p:txBody>
+          </p:sp>
+          <p:grpSp>
+            <p:nvGrpSpPr>
+              <p:cNvPr id="31" name="Group 30">
+                <a:extLst>
+                  <a:ext uri="{FF2B5EF4-FFF2-40B4-BE49-F238E27FC236}">
+                    <a16:creationId xmlns:a16="http://schemas.microsoft.com/office/drawing/2014/main" id="{FD024944-368C-D44B-09A3-AFFD6C88FF00}"/>
+                  </a:ext>
+                </a:extLst>
+              </p:cNvPr>
+              <p:cNvGrpSpPr/>
+              <p:nvPr/>
+            </p:nvGrpSpPr>
+            <p:grpSpPr>
+              <a:xfrm>
+                <a:off x="1395667" y="3208306"/>
+                <a:ext cx="1169415" cy="901407"/>
+                <a:chOff x="1395667" y="3208306"/>
+                <a:chExt cx="1169415" cy="901407"/>
+              </a:xfrm>
+            </p:grpSpPr>
+            <p:cxnSp>
+              <p:nvCxnSpPr>
+                <p:cNvPr id="32" name="Straight Arrow Connector 31">
+                  <a:extLst>
+                    <a:ext uri="{FF2B5EF4-FFF2-40B4-BE49-F238E27FC236}">
+                      <a16:creationId xmlns:a16="http://schemas.microsoft.com/office/drawing/2014/main" id="{3C5AD513-EAC2-5FE3-52F9-EE36364683BE}"/>
+                    </a:ext>
+                  </a:extLst>
+                </p:cNvPr>
+                <p:cNvCxnSpPr>
+                  <a:cxnSpLocks/>
+                </p:cNvCxnSpPr>
+                <p:nvPr/>
+              </p:nvCxnSpPr>
+              <p:spPr>
+                <a:xfrm flipV="1">
+                  <a:off x="1842463" y="3208306"/>
+                  <a:ext cx="291137" cy="400050"/>
+                </a:xfrm>
+                <a:prstGeom prst="straightConnector1">
+                  <a:avLst/>
+                </a:prstGeom>
+                <a:ln w="28575">
+                  <a:solidFill>
+                    <a:schemeClr val="tx1"/>
+                  </a:solidFill>
+                  <a:tailEnd type="triangle"/>
+                </a:ln>
+              </p:spPr>
+              <p:style>
+                <a:lnRef idx="1">
+                  <a:schemeClr val="accent1"/>
+                </a:lnRef>
+                <a:fillRef idx="0">
+                  <a:schemeClr val="accent1"/>
+                </a:fillRef>
+                <a:effectRef idx="0">
+                  <a:schemeClr val="accent1"/>
+                </a:effectRef>
+                <a:fontRef idx="minor">
+                  <a:schemeClr val="tx1"/>
+                </a:fontRef>
+              </p:style>
+            </p:cxnSp>
+            <p:sp>
+              <p:nvSpPr>
+                <p:cNvPr id="33" name="TextBox 32">
+                  <a:extLst>
+                    <a:ext uri="{FF2B5EF4-FFF2-40B4-BE49-F238E27FC236}">
+                      <a16:creationId xmlns:a16="http://schemas.microsoft.com/office/drawing/2014/main" id="{B7F80281-8CED-18D3-BF03-37B9AB11A19F}"/>
+                    </a:ext>
+                  </a:extLst>
+                </p:cNvPr>
+                <p:cNvSpPr txBox="1"/>
+                <p:nvPr/>
+              </p:nvSpPr>
+              <p:spPr>
+                <a:xfrm>
+                  <a:off x="1395667" y="3586493"/>
+                  <a:ext cx="1169415" cy="523220"/>
+                </a:xfrm>
+                <a:prstGeom prst="rect">
+                  <a:avLst/>
+                </a:prstGeom>
+                <a:noFill/>
+              </p:spPr>
+              <p:txBody>
+                <a:bodyPr wrap="square" rtlCol="0">
+                  <a:spAutoFit/>
+                </a:bodyPr>
+                <a:lstStyle/>
+                <a:p>
+                  <a:r>
+                    <a:rPr lang="en-US" sz="1400" dirty="0">
+                      <a:latin typeface="Arial" panose="020B0604020202020204" pitchFamily="34" charset="0"/>
+                      <a:cs typeface="Arial" panose="020B0604020202020204" pitchFamily="34" charset="0"/>
+                    </a:rPr>
+                    <a:t>Arikaree Glacier</a:t>
+                  </a:r>
+                </a:p>
+              </p:txBody>
+            </p:sp>
+          </p:grpSp>
+        </p:grpSp>
+      </p:grpSp>
+    </p:spTree>
+    <p:extLst>
+      <p:ext uri="{BB962C8B-B14F-4D97-AF65-F5344CB8AC3E}">
+        <p14:creationId xmlns:p14="http://schemas.microsoft.com/office/powerpoint/2010/main" val="521318926"/>
+      </p:ext>
+    </p:extLst>
+  </p:cSld>
+  <p:clrMapOvr>
+    <a:masterClrMapping/>
+  </p:clrMapOvr>
+</p:sld>
+</file>
+
+<file path=ppt/slides/slide2.xml><?xml version="1.0" encoding="utf-8"?>
+<p:sld xmlns:a="http://schemas.openxmlformats.org/drawingml/2006/main" xmlns:r="http://schemas.openxmlformats.org/officeDocument/2006/relationships" xmlns:p="http://schemas.openxmlformats.org/presentationml/2006/main">
+  <p:cSld>
+    <p:spTree>
+      <p:nvGrpSpPr>
+        <p:cNvPr id="1" name=""/>
+        <p:cNvGrpSpPr/>
+        <p:nvPr/>
+      </p:nvGrpSpPr>
+      <p:grpSpPr>
+        <a:xfrm>
+          <a:off x="0" y="0"/>
+          <a:ext cx="0" cy="0"/>
+          <a:chOff x="0" y="0"/>
+          <a:chExt cx="0" cy="0"/>
+        </a:xfrm>
+      </p:grpSpPr>
+      <p:grpSp>
+        <p:nvGrpSpPr>
           <p:cNvPr id="22" name="Group 21">
             <a:extLst>
               <a:ext uri="{FF2B5EF4-FFF2-40B4-BE49-F238E27FC236}">
@@ -3349,7 +4308,7 @@
         </p:grpSpPr>
         <p:pic>
           <p:nvPicPr>
-            <p:cNvPr id="5" name="Picture 4" descr="A screenshot of a graph&#10;&#10;Description automatically generated">
+            <p:cNvPr id="5" name="Picture 4">
               <a:extLst>
                 <a:ext uri="{FF2B5EF4-FFF2-40B4-BE49-F238E27FC236}">
                   <a16:creationId xmlns:a16="http://schemas.microsoft.com/office/drawing/2014/main" id="{5E9578BE-20CC-5009-CB73-3CC94B744BBE}"/>
@@ -3369,9 +4328,8 @@
                 </a:ext>
               </a:extLst>
             </a:blip>
-            <a:stretch>
-              <a:fillRect/>
-            </a:stretch>
+            <a:srcRect/>
+            <a:stretch/>
           </p:blipFill>
           <p:spPr>
             <a:xfrm>
@@ -3434,7 +4392,7 @@
                 <a:r>
                   <a:rPr lang="en-US" sz="1000" b="1" dirty="0">
                     <a:solidFill>
-                      <a:srgbClr val="360047"/>
+                      <a:srgbClr val="D35700"/>
                     </a:solidFill>
                     <a:latin typeface="Arial" panose="020B0604020202020204" pitchFamily="34" charset="0"/>
                     <a:cs typeface="Arial" panose="020B0604020202020204" pitchFamily="34" charset="0"/>
@@ -3446,29 +4404,12 @@
                     <a:latin typeface="Arial" panose="020B0604020202020204" pitchFamily="34" charset="0"/>
                     <a:cs typeface="Arial" panose="020B0604020202020204" pitchFamily="34" charset="0"/>
                   </a:rPr>
-                  <a:t>, </a:t>
+                  <a:t>, b, </a:t>
                 </a:r>
                 <a:r>
                   <a:rPr lang="en-US" sz="1000" b="1" dirty="0">
                     <a:solidFill>
-                      <a:srgbClr val="5DAEAB"/>
-                    </a:solidFill>
-                    <a:latin typeface="Arial" panose="020B0604020202020204" pitchFamily="34" charset="0"/>
-                    <a:cs typeface="Arial" panose="020B0604020202020204" pitchFamily="34" charset="0"/>
-                  </a:rPr>
-                  <a:t>b</a:t>
-                </a:r>
-                <a:r>
-                  <a:rPr lang="en-US" sz="1000" b="1" dirty="0">
-                    <a:latin typeface="Arial" panose="020B0604020202020204" pitchFamily="34" charset="0"/>
-                    <a:cs typeface="Arial" panose="020B0604020202020204" pitchFamily="34" charset="0"/>
-                  </a:rPr>
-                  <a:t>, </a:t>
-                </a:r>
-                <a:r>
-                  <a:rPr lang="en-US" sz="1000" b="1" dirty="0">
-                    <a:solidFill>
-                      <a:srgbClr val="FDE82E"/>
+                      <a:srgbClr val="CA73A3"/>
                     </a:solidFill>
                     <a:latin typeface="Arial" panose="020B0604020202020204" pitchFamily="34" charset="0"/>
                     <a:cs typeface="Arial" panose="020B0604020202020204" pitchFamily="34" charset="0"/>
@@ -3509,7 +4450,7 @@
                 <a:r>
                   <a:rPr lang="en-US" sz="1000" b="1" dirty="0">
                     <a:solidFill>
-                      <a:srgbClr val="360047"/>
+                      <a:srgbClr val="D35700"/>
                     </a:solidFill>
                     <a:latin typeface="Arial" panose="020B0604020202020204" pitchFamily="34" charset="0"/>
                     <a:cs typeface="Arial" panose="020B0604020202020204" pitchFamily="34" charset="0"/>
@@ -3521,29 +4462,12 @@
                     <a:latin typeface="Arial" panose="020B0604020202020204" pitchFamily="34" charset="0"/>
                     <a:cs typeface="Arial" panose="020B0604020202020204" pitchFamily="34" charset="0"/>
                   </a:rPr>
-                  <a:t>, </a:t>
+                  <a:t>, b, </a:t>
                 </a:r>
                 <a:r>
                   <a:rPr lang="en-US" sz="1000" b="1" dirty="0">
                     <a:solidFill>
-                      <a:srgbClr val="5DAEAB"/>
-                    </a:solidFill>
-                    <a:latin typeface="Arial" panose="020B0604020202020204" pitchFamily="34" charset="0"/>
-                    <a:cs typeface="Arial" panose="020B0604020202020204" pitchFamily="34" charset="0"/>
-                  </a:rPr>
-                  <a:t>b</a:t>
-                </a:r>
-                <a:r>
-                  <a:rPr lang="en-US" sz="1000" b="1" dirty="0">
-                    <a:latin typeface="Arial" panose="020B0604020202020204" pitchFamily="34" charset="0"/>
-                    <a:cs typeface="Arial" panose="020B0604020202020204" pitchFamily="34" charset="0"/>
-                  </a:rPr>
-                  <a:t>, </a:t>
-                </a:r>
-                <a:r>
-                  <a:rPr lang="en-US" sz="1000" b="1" dirty="0">
-                    <a:solidFill>
-                      <a:srgbClr val="FDE82E"/>
+                      <a:srgbClr val="CA73A3"/>
                     </a:solidFill>
                     <a:latin typeface="Arial" panose="020B0604020202020204" pitchFamily="34" charset="0"/>
                     <a:cs typeface="Arial" panose="020B0604020202020204" pitchFamily="34" charset="0"/>
@@ -3584,7 +4508,7 @@
                 <a:r>
                   <a:rPr lang="en-US" sz="1000" b="1" dirty="0">
                     <a:solidFill>
-                      <a:srgbClr val="360047"/>
+                      <a:srgbClr val="D35700"/>
                     </a:solidFill>
                     <a:latin typeface="Arial" panose="020B0604020202020204" pitchFamily="34" charset="0"/>
                     <a:cs typeface="Arial" panose="020B0604020202020204" pitchFamily="34" charset="0"/>
@@ -3596,29 +4520,12 @@
                     <a:latin typeface="Arial" panose="020B0604020202020204" pitchFamily="34" charset="0"/>
                     <a:cs typeface="Arial" panose="020B0604020202020204" pitchFamily="34" charset="0"/>
                   </a:rPr>
-                  <a:t>, </a:t>
+                  <a:t>, b, </a:t>
                 </a:r>
                 <a:r>
                   <a:rPr lang="en-US" sz="1000" b="1" dirty="0">
                     <a:solidFill>
-                      <a:srgbClr val="5DAEAB"/>
-                    </a:solidFill>
-                    <a:latin typeface="Arial" panose="020B0604020202020204" pitchFamily="34" charset="0"/>
-                    <a:cs typeface="Arial" panose="020B0604020202020204" pitchFamily="34" charset="0"/>
-                  </a:rPr>
-                  <a:t>b</a:t>
-                </a:r>
-                <a:r>
-                  <a:rPr lang="en-US" sz="1000" b="1" dirty="0">
-                    <a:latin typeface="Arial" panose="020B0604020202020204" pitchFamily="34" charset="0"/>
-                    <a:cs typeface="Arial" panose="020B0604020202020204" pitchFamily="34" charset="0"/>
-                  </a:rPr>
-                  <a:t>, </a:t>
-                </a:r>
-                <a:r>
-                  <a:rPr lang="en-US" sz="1000" b="1" dirty="0">
-                    <a:solidFill>
-                      <a:srgbClr val="FDE82E"/>
+                      <a:srgbClr val="CA73A3"/>
                     </a:solidFill>
                     <a:latin typeface="Arial" panose="020B0604020202020204" pitchFamily="34" charset="0"/>
                     <a:cs typeface="Arial" panose="020B0604020202020204" pitchFamily="34" charset="0"/>
@@ -3659,7 +4566,7 @@
                 <a:r>
                   <a:rPr lang="en-US" sz="1000" b="1" dirty="0">
                     <a:solidFill>
-                      <a:srgbClr val="360047"/>
+                      <a:srgbClr val="D35700"/>
                     </a:solidFill>
                     <a:latin typeface="Arial" panose="020B0604020202020204" pitchFamily="34" charset="0"/>
                     <a:cs typeface="Arial" panose="020B0604020202020204" pitchFamily="34" charset="0"/>
@@ -3671,29 +4578,12 @@
                     <a:latin typeface="Arial" panose="020B0604020202020204" pitchFamily="34" charset="0"/>
                     <a:cs typeface="Arial" panose="020B0604020202020204" pitchFamily="34" charset="0"/>
                   </a:rPr>
-                  <a:t>, </a:t>
+                  <a:t>, ab, </a:t>
                 </a:r>
                 <a:r>
                   <a:rPr lang="en-US" sz="1000" b="1" dirty="0">
                     <a:solidFill>
-                      <a:srgbClr val="5DAEAB"/>
-                    </a:solidFill>
-                    <a:latin typeface="Arial" panose="020B0604020202020204" pitchFamily="34" charset="0"/>
-                    <a:cs typeface="Arial" panose="020B0604020202020204" pitchFamily="34" charset="0"/>
-                  </a:rPr>
-                  <a:t>ab</a:t>
-                </a:r>
-                <a:r>
-                  <a:rPr lang="en-US" sz="1000" b="1" dirty="0">
-                    <a:latin typeface="Arial" panose="020B0604020202020204" pitchFamily="34" charset="0"/>
-                    <a:cs typeface="Arial" panose="020B0604020202020204" pitchFamily="34" charset="0"/>
-                  </a:rPr>
-                  <a:t>, </a:t>
-                </a:r>
-                <a:r>
-                  <a:rPr lang="en-US" sz="1000" b="1" dirty="0">
-                    <a:solidFill>
-                      <a:srgbClr val="FDE82E"/>
+                      <a:srgbClr val="CA73A3"/>
                     </a:solidFill>
                     <a:latin typeface="Arial" panose="020B0604020202020204" pitchFamily="34" charset="0"/>
                     <a:cs typeface="Arial" panose="020B0604020202020204" pitchFamily="34" charset="0"/>
@@ -3734,7 +4624,7 @@
                 <a:r>
                   <a:rPr lang="en-US" sz="1000" b="1" dirty="0">
                     <a:solidFill>
-                      <a:srgbClr val="360047"/>
+                      <a:srgbClr val="D35700"/>
                     </a:solidFill>
                     <a:latin typeface="Arial" panose="020B0604020202020204" pitchFamily="34" charset="0"/>
                     <a:cs typeface="Arial" panose="020B0604020202020204" pitchFamily="34" charset="0"/>
@@ -3746,29 +4636,12 @@
                     <a:latin typeface="Arial" panose="020B0604020202020204" pitchFamily="34" charset="0"/>
                     <a:cs typeface="Arial" panose="020B0604020202020204" pitchFamily="34" charset="0"/>
                   </a:rPr>
-                  <a:t>, </a:t>
+                  <a:t>, b, </a:t>
                 </a:r>
                 <a:r>
                   <a:rPr lang="en-US" sz="1000" b="1" dirty="0">
                     <a:solidFill>
-                      <a:srgbClr val="5DAEAB"/>
-                    </a:solidFill>
-                    <a:latin typeface="Arial" panose="020B0604020202020204" pitchFamily="34" charset="0"/>
-                    <a:cs typeface="Arial" panose="020B0604020202020204" pitchFamily="34" charset="0"/>
-                  </a:rPr>
-                  <a:t>b</a:t>
-                </a:r>
-                <a:r>
-                  <a:rPr lang="en-US" sz="1000" b="1" dirty="0">
-                    <a:latin typeface="Arial" panose="020B0604020202020204" pitchFamily="34" charset="0"/>
-                    <a:cs typeface="Arial" panose="020B0604020202020204" pitchFamily="34" charset="0"/>
-                  </a:rPr>
-                  <a:t>, </a:t>
-                </a:r>
-                <a:r>
-                  <a:rPr lang="en-US" sz="1000" b="1" dirty="0">
-                    <a:solidFill>
-                      <a:srgbClr val="FDE82E"/>
+                      <a:srgbClr val="CA73A3"/>
                     </a:solidFill>
                     <a:latin typeface="Arial" panose="020B0604020202020204" pitchFamily="34" charset="0"/>
                     <a:cs typeface="Arial" panose="020B0604020202020204" pitchFamily="34" charset="0"/>
@@ -3809,7 +4682,7 @@
                 <a:r>
                   <a:rPr lang="en-US" sz="1000" b="1" dirty="0">
                     <a:solidFill>
-                      <a:srgbClr val="360047"/>
+                      <a:srgbClr val="D35700"/>
                     </a:solidFill>
                     <a:latin typeface="Arial" panose="020B0604020202020204" pitchFamily="34" charset="0"/>
                     <a:cs typeface="Arial" panose="020B0604020202020204" pitchFamily="34" charset="0"/>
@@ -3821,29 +4694,12 @@
                     <a:latin typeface="Arial" panose="020B0604020202020204" pitchFamily="34" charset="0"/>
                     <a:cs typeface="Arial" panose="020B0604020202020204" pitchFamily="34" charset="0"/>
                   </a:rPr>
-                  <a:t>, </a:t>
+                  <a:t>, b, </a:t>
                 </a:r>
                 <a:r>
                   <a:rPr lang="en-US" sz="1000" b="1" dirty="0">
                     <a:solidFill>
-                      <a:srgbClr val="5DAEAB"/>
-                    </a:solidFill>
-                    <a:latin typeface="Arial" panose="020B0604020202020204" pitchFamily="34" charset="0"/>
-                    <a:cs typeface="Arial" panose="020B0604020202020204" pitchFamily="34" charset="0"/>
-                  </a:rPr>
-                  <a:t>b</a:t>
-                </a:r>
-                <a:r>
-                  <a:rPr lang="en-US" sz="1000" b="1" dirty="0">
-                    <a:latin typeface="Arial" panose="020B0604020202020204" pitchFamily="34" charset="0"/>
-                    <a:cs typeface="Arial" panose="020B0604020202020204" pitchFamily="34" charset="0"/>
-                  </a:rPr>
-                  <a:t>, </a:t>
-                </a:r>
-                <a:r>
-                  <a:rPr lang="en-US" sz="1000" b="1" dirty="0">
-                    <a:solidFill>
-                      <a:srgbClr val="FDE82E"/>
+                      <a:srgbClr val="CA73A3"/>
                     </a:solidFill>
                     <a:latin typeface="Arial" panose="020B0604020202020204" pitchFamily="34" charset="0"/>
                     <a:cs typeface="Arial" panose="020B0604020202020204" pitchFamily="34" charset="0"/>
@@ -3884,7 +4740,7 @@
                 <a:r>
                   <a:rPr lang="en-US" sz="1000" b="1" dirty="0">
                     <a:solidFill>
-                      <a:srgbClr val="360047"/>
+                      <a:srgbClr val="D35700"/>
                     </a:solidFill>
                     <a:latin typeface="Arial" panose="020B0604020202020204" pitchFamily="34" charset="0"/>
                     <a:cs typeface="Arial" panose="020B0604020202020204" pitchFamily="34" charset="0"/>
@@ -3896,29 +4752,12 @@
                     <a:latin typeface="Arial" panose="020B0604020202020204" pitchFamily="34" charset="0"/>
                     <a:cs typeface="Arial" panose="020B0604020202020204" pitchFamily="34" charset="0"/>
                   </a:rPr>
-                  <a:t>, </a:t>
+                  <a:t>, ab, </a:t>
                 </a:r>
                 <a:r>
                   <a:rPr lang="en-US" sz="1000" b="1" dirty="0">
                     <a:solidFill>
-                      <a:srgbClr val="5DAEAB"/>
-                    </a:solidFill>
-                    <a:latin typeface="Arial" panose="020B0604020202020204" pitchFamily="34" charset="0"/>
-                    <a:cs typeface="Arial" panose="020B0604020202020204" pitchFamily="34" charset="0"/>
-                  </a:rPr>
-                  <a:t>ab</a:t>
-                </a:r>
-                <a:r>
-                  <a:rPr lang="en-US" sz="1000" b="1" dirty="0">
-                    <a:latin typeface="Arial" panose="020B0604020202020204" pitchFamily="34" charset="0"/>
-                    <a:cs typeface="Arial" panose="020B0604020202020204" pitchFamily="34" charset="0"/>
-                  </a:rPr>
-                  <a:t>, </a:t>
-                </a:r>
-                <a:r>
-                  <a:rPr lang="en-US" sz="1000" b="1" dirty="0">
-                    <a:solidFill>
-                      <a:srgbClr val="FDE82E"/>
+                      <a:srgbClr val="CA73A3"/>
                     </a:solidFill>
                     <a:latin typeface="Arial" panose="020B0604020202020204" pitchFamily="34" charset="0"/>
                     <a:cs typeface="Arial" panose="020B0604020202020204" pitchFamily="34" charset="0"/>
@@ -3959,7 +4798,7 @@
                 <a:r>
                   <a:rPr lang="en-US" sz="1000" b="1" dirty="0">
                     <a:solidFill>
-                      <a:srgbClr val="360047"/>
+                      <a:srgbClr val="D35700"/>
                     </a:solidFill>
                     <a:latin typeface="Arial" panose="020B0604020202020204" pitchFamily="34" charset="0"/>
                     <a:cs typeface="Arial" panose="020B0604020202020204" pitchFamily="34" charset="0"/>
@@ -3971,29 +4810,12 @@
                     <a:latin typeface="Arial" panose="020B0604020202020204" pitchFamily="34" charset="0"/>
                     <a:cs typeface="Arial" panose="020B0604020202020204" pitchFamily="34" charset="0"/>
                   </a:rPr>
-                  <a:t>, </a:t>
+                  <a:t>, b, </a:t>
                 </a:r>
                 <a:r>
                   <a:rPr lang="en-US" sz="1000" b="1" dirty="0">
                     <a:solidFill>
-                      <a:srgbClr val="5DAEAB"/>
-                    </a:solidFill>
-                    <a:latin typeface="Arial" panose="020B0604020202020204" pitchFamily="34" charset="0"/>
-                    <a:cs typeface="Arial" panose="020B0604020202020204" pitchFamily="34" charset="0"/>
-                  </a:rPr>
-                  <a:t>b</a:t>
-                </a:r>
-                <a:r>
-                  <a:rPr lang="en-US" sz="1000" b="1" dirty="0">
-                    <a:latin typeface="Arial" panose="020B0604020202020204" pitchFamily="34" charset="0"/>
-                    <a:cs typeface="Arial" panose="020B0604020202020204" pitchFamily="34" charset="0"/>
-                  </a:rPr>
-                  <a:t>, </a:t>
-                </a:r>
-                <a:r>
-                  <a:rPr lang="en-US" sz="1000" b="1" dirty="0">
-                    <a:solidFill>
-                      <a:srgbClr val="FDE82E"/>
+                      <a:srgbClr val="CA73A3"/>
                     </a:solidFill>
                     <a:latin typeface="Arial" panose="020B0604020202020204" pitchFamily="34" charset="0"/>
                     <a:cs typeface="Arial" panose="020B0604020202020204" pitchFamily="34" charset="0"/>
@@ -4034,7 +4856,7 @@
                 <a:r>
                   <a:rPr lang="en-US" sz="1000" b="1" dirty="0">
                     <a:solidFill>
-                      <a:srgbClr val="360047"/>
+                      <a:srgbClr val="D35700"/>
                     </a:solidFill>
                     <a:latin typeface="Arial" panose="020B0604020202020204" pitchFamily="34" charset="0"/>
                     <a:cs typeface="Arial" panose="020B0604020202020204" pitchFamily="34" charset="0"/>
@@ -4046,29 +4868,12 @@
                     <a:latin typeface="Arial" panose="020B0604020202020204" pitchFamily="34" charset="0"/>
                     <a:cs typeface="Arial" panose="020B0604020202020204" pitchFamily="34" charset="0"/>
                   </a:rPr>
-                  <a:t>, </a:t>
+                  <a:t>, a, </a:t>
                 </a:r>
                 <a:r>
                   <a:rPr lang="en-US" sz="1000" b="1" dirty="0">
                     <a:solidFill>
-                      <a:srgbClr val="5DAEAB"/>
-                    </a:solidFill>
-                    <a:latin typeface="Arial" panose="020B0604020202020204" pitchFamily="34" charset="0"/>
-                    <a:cs typeface="Arial" panose="020B0604020202020204" pitchFamily="34" charset="0"/>
-                  </a:rPr>
-                  <a:t>a</a:t>
-                </a:r>
-                <a:r>
-                  <a:rPr lang="en-US" sz="1000" b="1" dirty="0">
-                    <a:latin typeface="Arial" panose="020B0604020202020204" pitchFamily="34" charset="0"/>
-                    <a:cs typeface="Arial" panose="020B0604020202020204" pitchFamily="34" charset="0"/>
-                  </a:rPr>
-                  <a:t>, </a:t>
-                </a:r>
-                <a:r>
-                  <a:rPr lang="en-US" sz="1000" b="1" dirty="0">
-                    <a:solidFill>
-                      <a:srgbClr val="FDE82E"/>
+                      <a:srgbClr val="CA73A3"/>
                     </a:solidFill>
                     <a:latin typeface="Arial" panose="020B0604020202020204" pitchFamily="34" charset="0"/>
                     <a:cs typeface="Arial" panose="020B0604020202020204" pitchFamily="34" charset="0"/>
@@ -4109,7 +4914,7 @@
                 <a:r>
                   <a:rPr lang="en-US" sz="1000" b="1" dirty="0">
                     <a:solidFill>
-                      <a:srgbClr val="360047"/>
+                      <a:srgbClr val="D35700"/>
                     </a:solidFill>
                     <a:latin typeface="Arial" panose="020B0604020202020204" pitchFamily="34" charset="0"/>
                     <a:cs typeface="Arial" panose="020B0604020202020204" pitchFamily="34" charset="0"/>
@@ -4121,29 +4926,12 @@
                     <a:latin typeface="Arial" panose="020B0604020202020204" pitchFamily="34" charset="0"/>
                     <a:cs typeface="Arial" panose="020B0604020202020204" pitchFamily="34" charset="0"/>
                   </a:rPr>
-                  <a:t>, </a:t>
+                  <a:t>, a, </a:t>
                 </a:r>
                 <a:r>
                   <a:rPr lang="en-US" sz="1000" b="1" dirty="0">
                     <a:solidFill>
-                      <a:srgbClr val="5DAEAB"/>
-                    </a:solidFill>
-                    <a:latin typeface="Arial" panose="020B0604020202020204" pitchFamily="34" charset="0"/>
-                    <a:cs typeface="Arial" panose="020B0604020202020204" pitchFamily="34" charset="0"/>
-                  </a:rPr>
-                  <a:t>a</a:t>
-                </a:r>
-                <a:r>
-                  <a:rPr lang="en-US" sz="1000" b="1" dirty="0">
-                    <a:latin typeface="Arial" panose="020B0604020202020204" pitchFamily="34" charset="0"/>
-                    <a:cs typeface="Arial" panose="020B0604020202020204" pitchFamily="34" charset="0"/>
-                  </a:rPr>
-                  <a:t>, </a:t>
-                </a:r>
-                <a:r>
-                  <a:rPr lang="en-US" sz="1000" b="1" dirty="0">
-                    <a:solidFill>
-                      <a:srgbClr val="FDE82E"/>
+                      <a:srgbClr val="CA73A3"/>
                     </a:solidFill>
                     <a:latin typeface="Arial" panose="020B0604020202020204" pitchFamily="34" charset="0"/>
                     <a:cs typeface="Arial" panose="020B0604020202020204" pitchFamily="34" charset="0"/>
@@ -4184,7 +4972,7 @@
                 <a:r>
                   <a:rPr lang="en-US" sz="1000" b="1" dirty="0">
                     <a:solidFill>
-                      <a:srgbClr val="360047"/>
+                      <a:srgbClr val="D35700"/>
                     </a:solidFill>
                     <a:latin typeface="Arial" panose="020B0604020202020204" pitchFamily="34" charset="0"/>
                     <a:cs typeface="Arial" panose="020B0604020202020204" pitchFamily="34" charset="0"/>
@@ -4196,29 +4984,12 @@
                     <a:latin typeface="Arial" panose="020B0604020202020204" pitchFamily="34" charset="0"/>
                     <a:cs typeface="Arial" panose="020B0604020202020204" pitchFamily="34" charset="0"/>
                   </a:rPr>
-                  <a:t>, </a:t>
+                  <a:t>, b, </a:t>
                 </a:r>
                 <a:r>
                   <a:rPr lang="en-US" sz="1000" b="1" dirty="0">
                     <a:solidFill>
-                      <a:srgbClr val="5DAEAB"/>
-                    </a:solidFill>
-                    <a:latin typeface="Arial" panose="020B0604020202020204" pitchFamily="34" charset="0"/>
-                    <a:cs typeface="Arial" panose="020B0604020202020204" pitchFamily="34" charset="0"/>
-                  </a:rPr>
-                  <a:t>b</a:t>
-                </a:r>
-                <a:r>
-                  <a:rPr lang="en-US" sz="1000" b="1" dirty="0">
-                    <a:latin typeface="Arial" panose="020B0604020202020204" pitchFamily="34" charset="0"/>
-                    <a:cs typeface="Arial" panose="020B0604020202020204" pitchFamily="34" charset="0"/>
-                  </a:rPr>
-                  <a:t>, </a:t>
-                </a:r>
-                <a:r>
-                  <a:rPr lang="en-US" sz="1000" b="1" dirty="0">
-                    <a:solidFill>
-                      <a:srgbClr val="FDE82E"/>
+                      <a:srgbClr val="CA73A3"/>
                     </a:solidFill>
                     <a:latin typeface="Arial" panose="020B0604020202020204" pitchFamily="34" charset="0"/>
                     <a:cs typeface="Arial" panose="020B0604020202020204" pitchFamily="34" charset="0"/>
@@ -4259,7 +5030,7 @@
                 <a:r>
                   <a:rPr lang="en-US" sz="1000" b="1" dirty="0">
                     <a:solidFill>
-                      <a:srgbClr val="360047"/>
+                      <a:srgbClr val="D35700"/>
                     </a:solidFill>
                     <a:latin typeface="Arial" panose="020B0604020202020204" pitchFamily="34" charset="0"/>
                     <a:cs typeface="Arial" panose="020B0604020202020204" pitchFamily="34" charset="0"/>
@@ -4271,29 +5042,12 @@
                     <a:latin typeface="Arial" panose="020B0604020202020204" pitchFamily="34" charset="0"/>
                     <a:cs typeface="Arial" panose="020B0604020202020204" pitchFamily="34" charset="0"/>
                   </a:rPr>
-                  <a:t>, </a:t>
+                  <a:t>, a, </a:t>
                 </a:r>
                 <a:r>
                   <a:rPr lang="en-US" sz="1000" b="1" dirty="0">
                     <a:solidFill>
-                      <a:srgbClr val="5DAEAB"/>
-                    </a:solidFill>
-                    <a:latin typeface="Arial" panose="020B0604020202020204" pitchFamily="34" charset="0"/>
-                    <a:cs typeface="Arial" panose="020B0604020202020204" pitchFamily="34" charset="0"/>
-                  </a:rPr>
-                  <a:t>a</a:t>
-                </a:r>
-                <a:r>
-                  <a:rPr lang="en-US" sz="1000" b="1" dirty="0">
-                    <a:latin typeface="Arial" panose="020B0604020202020204" pitchFamily="34" charset="0"/>
-                    <a:cs typeface="Arial" panose="020B0604020202020204" pitchFamily="34" charset="0"/>
-                  </a:rPr>
-                  <a:t>, </a:t>
-                </a:r>
-                <a:r>
-                  <a:rPr lang="en-US" sz="1000" b="1" dirty="0">
-                    <a:solidFill>
-                      <a:srgbClr val="FDE82E"/>
+                      <a:srgbClr val="CA73A3"/>
                     </a:solidFill>
                     <a:latin typeface="Arial" panose="020B0604020202020204" pitchFamily="34" charset="0"/>
                     <a:cs typeface="Arial" panose="020B0604020202020204" pitchFamily="34" charset="0"/>
@@ -4334,7 +5088,7 @@
                 <a:r>
                   <a:rPr lang="en-US" sz="1000" b="1" dirty="0">
                     <a:solidFill>
-                      <a:srgbClr val="360047"/>
+                      <a:srgbClr val="D35700"/>
                     </a:solidFill>
                     <a:latin typeface="Arial" panose="020B0604020202020204" pitchFamily="34" charset="0"/>
                     <a:cs typeface="Arial" panose="020B0604020202020204" pitchFamily="34" charset="0"/>
@@ -4346,29 +5100,12 @@
                     <a:latin typeface="Arial" panose="020B0604020202020204" pitchFamily="34" charset="0"/>
                     <a:cs typeface="Arial" panose="020B0604020202020204" pitchFamily="34" charset="0"/>
                   </a:rPr>
-                  <a:t>, </a:t>
+                  <a:t>, b, </a:t>
                 </a:r>
                 <a:r>
                   <a:rPr lang="en-US" sz="1000" b="1" dirty="0">
                     <a:solidFill>
-                      <a:srgbClr val="5DAEAB"/>
-                    </a:solidFill>
-                    <a:latin typeface="Arial" panose="020B0604020202020204" pitchFamily="34" charset="0"/>
-                    <a:cs typeface="Arial" panose="020B0604020202020204" pitchFamily="34" charset="0"/>
-                  </a:rPr>
-                  <a:t>b</a:t>
-                </a:r>
-                <a:r>
-                  <a:rPr lang="en-US" sz="1000" b="1" dirty="0">
-                    <a:latin typeface="Arial" panose="020B0604020202020204" pitchFamily="34" charset="0"/>
-                    <a:cs typeface="Arial" panose="020B0604020202020204" pitchFamily="34" charset="0"/>
-                  </a:rPr>
-                  <a:t>, </a:t>
-                </a:r>
-                <a:r>
-                  <a:rPr lang="en-US" sz="1000" b="1" dirty="0">
-                    <a:solidFill>
-                      <a:srgbClr val="FDE82E"/>
+                      <a:srgbClr val="CA73A3"/>
                     </a:solidFill>
                     <a:latin typeface="Arial" panose="020B0604020202020204" pitchFamily="34" charset="0"/>
                     <a:cs typeface="Arial" panose="020B0604020202020204" pitchFamily="34" charset="0"/>
@@ -4409,7 +5146,7 @@
                 <a:r>
                   <a:rPr lang="en-US" sz="1000" b="1" dirty="0">
                     <a:solidFill>
-                      <a:srgbClr val="360047"/>
+                      <a:srgbClr val="D35700"/>
                     </a:solidFill>
                     <a:latin typeface="Arial" panose="020B0604020202020204" pitchFamily="34" charset="0"/>
                     <a:cs typeface="Arial" panose="020B0604020202020204" pitchFamily="34" charset="0"/>
@@ -4421,29 +5158,12 @@
                     <a:latin typeface="Arial" panose="020B0604020202020204" pitchFamily="34" charset="0"/>
                     <a:cs typeface="Arial" panose="020B0604020202020204" pitchFamily="34" charset="0"/>
                   </a:rPr>
-                  <a:t>, </a:t>
+                  <a:t>, b, </a:t>
                 </a:r>
                 <a:r>
                   <a:rPr lang="en-US" sz="1000" b="1" dirty="0">
                     <a:solidFill>
-                      <a:srgbClr val="5DAEAB"/>
-                    </a:solidFill>
-                    <a:latin typeface="Arial" panose="020B0604020202020204" pitchFamily="34" charset="0"/>
-                    <a:cs typeface="Arial" panose="020B0604020202020204" pitchFamily="34" charset="0"/>
-                  </a:rPr>
-                  <a:t>b</a:t>
-                </a:r>
-                <a:r>
-                  <a:rPr lang="en-US" sz="1000" b="1" dirty="0">
-                    <a:latin typeface="Arial" panose="020B0604020202020204" pitchFamily="34" charset="0"/>
-                    <a:cs typeface="Arial" panose="020B0604020202020204" pitchFamily="34" charset="0"/>
-                  </a:rPr>
-                  <a:t>, </a:t>
-                </a:r>
-                <a:r>
-                  <a:rPr lang="en-US" sz="1000" b="1" dirty="0">
-                    <a:solidFill>
-                      <a:srgbClr val="FDE82E"/>
+                      <a:srgbClr val="CA73A3"/>
                     </a:solidFill>
                     <a:latin typeface="Arial" panose="020B0604020202020204" pitchFamily="34" charset="0"/>
                     <a:cs typeface="Arial" panose="020B0604020202020204" pitchFamily="34" charset="0"/>
@@ -4484,7 +5204,7 @@
                 <a:r>
                   <a:rPr lang="en-US" sz="1000" b="1" dirty="0">
                     <a:solidFill>
-                      <a:srgbClr val="360047"/>
+                      <a:srgbClr val="D35700"/>
                     </a:solidFill>
                     <a:latin typeface="Arial" panose="020B0604020202020204" pitchFamily="34" charset="0"/>
                     <a:cs typeface="Arial" panose="020B0604020202020204" pitchFamily="34" charset="0"/>
@@ -4496,29 +5216,12 @@
                     <a:latin typeface="Arial" panose="020B0604020202020204" pitchFamily="34" charset="0"/>
                     <a:cs typeface="Arial" panose="020B0604020202020204" pitchFamily="34" charset="0"/>
                   </a:rPr>
-                  <a:t>, </a:t>
+                  <a:t>, b, </a:t>
                 </a:r>
                 <a:r>
                   <a:rPr lang="en-US" sz="1000" b="1" dirty="0">
                     <a:solidFill>
-                      <a:srgbClr val="5DAEAB"/>
-                    </a:solidFill>
-                    <a:latin typeface="Arial" panose="020B0604020202020204" pitchFamily="34" charset="0"/>
-                    <a:cs typeface="Arial" panose="020B0604020202020204" pitchFamily="34" charset="0"/>
-                  </a:rPr>
-                  <a:t>b</a:t>
-                </a:r>
-                <a:r>
-                  <a:rPr lang="en-US" sz="1000" b="1" dirty="0">
-                    <a:latin typeface="Arial" panose="020B0604020202020204" pitchFamily="34" charset="0"/>
-                    <a:cs typeface="Arial" panose="020B0604020202020204" pitchFamily="34" charset="0"/>
-                  </a:rPr>
-                  <a:t>, </a:t>
-                </a:r>
-                <a:r>
-                  <a:rPr lang="en-US" sz="1000" b="1" dirty="0">
-                    <a:solidFill>
-                      <a:srgbClr val="FDE82E"/>
+                      <a:srgbClr val="CA73A3"/>
                     </a:solidFill>
                     <a:latin typeface="Arial" panose="020B0604020202020204" pitchFamily="34" charset="0"/>
                     <a:cs typeface="Arial" panose="020B0604020202020204" pitchFamily="34" charset="0"/>
@@ -4543,7 +5246,7 @@
 </p:sld>
 </file>
 
-<file path=ppt/slides/slide2.xml><?xml version="1.0" encoding="utf-8"?>
+<file path=ppt/slides/slide3.xml><?xml version="1.0" encoding="utf-8"?>
 <p:sld xmlns:a="http://schemas.openxmlformats.org/drawingml/2006/main" xmlns:r="http://schemas.openxmlformats.org/officeDocument/2006/relationships" xmlns:p="http://schemas.openxmlformats.org/presentationml/2006/main">
   <p:cSld>
     <p:spTree>
